--- a/basics3/src/lecture03.pptx
+++ b/basics3/src/lecture03.pptx
@@ -5,7 +5,7 @@
     <p:sldMasterId id="2147483648" r:id="rId1"/>
   </p:sldMasterIdLst>
   <p:notesMasterIdLst>
-    <p:NotesMasterId r:id="rId30"/>
+    <p:NotesMasterId r:id="rId33"/>
   </p:notesMasterIdLst>
   <p:sldIdLst>
     <p:sldId id="256" r:id="rId2"/>
@@ -36,6 +36,9 @@
     <p:sldId id="281" r:id="rId27"/>
     <p:sldId id="282" r:id="rId28"/>
     <p:sldId id="283" r:id="rId29"/>
+    <p:sldId id="284" r:id="rId30"/>
+    <p:sldId id="285" r:id="rId31"/>
+    <p:sldId id="286" r:id="rId32"/>
   </p:sldIdLst>
   <p:sldSz cx="9144000" cy="6858000" type="screen4x3"/>
   <p:notesSz cx="6858000" cy="9144000"/>
@@ -882,7 +885,181 @@
             </a:r>
             <a:r>
               <a:rPr/>
-              <a:t>scatterplot</a:t>
+              <a:t>scatterplot.</a:t>
+            </a:r>
+          </a:p>
+          <a:p>
+            <a:pPr lvl="0" marL="0" indent="0">
+              <a:buNone/>
+            </a:pPr>
+          </a:p>
+          <a:p>
+            <a:pPr lvl="0" marL="0" indent="0">
+              <a:buNone/>
+            </a:pPr>
+            <a:r>
+              <a:rPr/>
+              <a:t>I</a:t>
+            </a:r>
+            <a:r>
+              <a:rPr/>
+              <a:t> </a:t>
+            </a:r>
+            <a:r>
+              <a:rPr/>
+              <a:t>am</a:t>
+            </a:r>
+            <a:r>
+              <a:rPr/>
+              <a:t> </a:t>
+            </a:r>
+            <a:r>
+              <a:rPr/>
+              <a:t>only</a:t>
+            </a:r>
+            <a:r>
+              <a:rPr/>
+              <a:t> </a:t>
+            </a:r>
+            <a:r>
+              <a:rPr/>
+              <a:t>showing</a:t>
+            </a:r>
+            <a:r>
+              <a:rPr/>
+              <a:t> </a:t>
+            </a:r>
+            <a:r>
+              <a:rPr/>
+              <a:t>the</a:t>
+            </a:r>
+            <a:r>
+              <a:rPr/>
+              <a:t> </a:t>
+            </a:r>
+            <a:r>
+              <a:rPr/>
+              <a:t>plot</a:t>
+            </a:r>
+            <a:r>
+              <a:rPr/>
+              <a:t> </a:t>
+            </a:r>
+            <a:r>
+              <a:rPr/>
+              <a:t>of</a:t>
+            </a:r>
+            <a:r>
+              <a:rPr/>
+              <a:t> </a:t>
+            </a:r>
+            <a:r>
+              <a:rPr/>
+              <a:t>ht</a:t>
+            </a:r>
+            <a:r>
+              <a:rPr/>
+              <a:t> </a:t>
+            </a:r>
+            <a:r>
+              <a:rPr/>
+              <a:t>versus</a:t>
+            </a:r>
+            <a:r>
+              <a:rPr/>
+              <a:t> </a:t>
+            </a:r>
+            <a:r>
+              <a:rPr/>
+              <a:t>fev,</a:t>
+            </a:r>
+            <a:r>
+              <a:rPr/>
+              <a:t> </a:t>
+            </a:r>
+            <a:r>
+              <a:rPr/>
+              <a:t>but</a:t>
+            </a:r>
+            <a:r>
+              <a:rPr/>
+              <a:t> </a:t>
+            </a:r>
+            <a:r>
+              <a:rPr/>
+              <a:t>you</a:t>
+            </a:r>
+            <a:r>
+              <a:rPr/>
+              <a:t> </a:t>
+            </a:r>
+            <a:r>
+              <a:rPr/>
+              <a:t>should</a:t>
+            </a:r>
+            <a:r>
+              <a:rPr/>
+              <a:t> </a:t>
+            </a:r>
+            <a:r>
+              <a:rPr/>
+              <a:t>also</a:t>
+            </a:r>
+            <a:r>
+              <a:rPr/>
+              <a:t> </a:t>
+            </a:r>
+            <a:r>
+              <a:rPr/>
+              <a:t>examine</a:t>
+            </a:r>
+            <a:r>
+              <a:rPr/>
+              <a:t> </a:t>
+            </a:r>
+            <a:r>
+              <a:rPr/>
+              <a:t>the</a:t>
+            </a:r>
+            <a:r>
+              <a:rPr/>
+              <a:t> </a:t>
+            </a:r>
+            <a:r>
+              <a:rPr/>
+              <a:t>plot</a:t>
+            </a:r>
+            <a:r>
+              <a:rPr/>
+              <a:t> </a:t>
+            </a:r>
+            <a:r>
+              <a:rPr/>
+              <a:t>of</a:t>
+            </a:r>
+            <a:r>
+              <a:rPr/>
+              <a:t> </a:t>
+            </a:r>
+            <a:r>
+              <a:rPr/>
+              <a:t>age</a:t>
+            </a:r>
+            <a:r>
+              <a:rPr/>
+              <a:t> </a:t>
+            </a:r>
+            <a:r>
+              <a:rPr/>
+              <a:t>versus</a:t>
+            </a:r>
+            <a:r>
+              <a:rPr/>
+              <a:t> </a:t>
+            </a:r>
+            <a:r>
+              <a:rPr/>
+              <a:t>fev.</a:t>
             </a:r>
           </a:p>
         </p:txBody>
@@ -964,7 +1141,159 @@
             </a:pPr>
             <a:r>
               <a:rPr/>
-              <a:t>When</a:t>
+              <a:t>Sometimes</a:t>
+            </a:r>
+            <a:r>
+              <a:rPr/>
+              <a:t> </a:t>
+            </a:r>
+            <a:r>
+              <a:rPr/>
+              <a:t>a</a:t>
+            </a:r>
+            <a:r>
+              <a:rPr/>
+              <a:t> </a:t>
+            </a:r>
+            <a:r>
+              <a:rPr/>
+              <a:t>trend</a:t>
+            </a:r>
+            <a:r>
+              <a:rPr/>
+              <a:t> </a:t>
+            </a:r>
+            <a:r>
+              <a:rPr/>
+              <a:t>line</a:t>
+            </a:r>
+            <a:r>
+              <a:rPr/>
+              <a:t> </a:t>
+            </a:r>
+            <a:r>
+              <a:rPr/>
+              <a:t>can</a:t>
+            </a:r>
+            <a:r>
+              <a:rPr/>
+              <a:t> </a:t>
+            </a:r>
+            <a:r>
+              <a:rPr/>
+              <a:t>help.</a:t>
+            </a:r>
+            <a:r>
+              <a:rPr/>
+              <a:t> </a:t>
+            </a:r>
+            <a:r>
+              <a:rPr/>
+              <a:t>You</a:t>
+            </a:r>
+            <a:r>
+              <a:rPr/>
+              <a:t> </a:t>
+            </a:r>
+            <a:r>
+              <a:rPr/>
+              <a:t>should</a:t>
+            </a:r>
+            <a:r>
+              <a:rPr/>
+              <a:t> </a:t>
+            </a:r>
+            <a:r>
+              <a:rPr/>
+              <a:t>consider</a:t>
+            </a:r>
+            <a:r>
+              <a:rPr/>
+              <a:t> </a:t>
+            </a:r>
+            <a:r>
+              <a:rPr/>
+              <a:t>a</a:t>
+            </a:r>
+            <a:r>
+              <a:rPr/>
+              <a:t> </a:t>
+            </a:r>
+            <a:r>
+              <a:rPr/>
+              <a:t>smoothing</a:t>
+            </a:r>
+            <a:r>
+              <a:rPr/>
+              <a:t> </a:t>
+            </a:r>
+            <a:r>
+              <a:rPr/>
+              <a:t>method</a:t>
+            </a:r>
+            <a:r>
+              <a:rPr/>
+              <a:t> </a:t>
+            </a:r>
+            <a:r>
+              <a:rPr/>
+              <a:t>like</a:t>
+            </a:r>
+            <a:r>
+              <a:rPr/>
+              <a:t> </a:t>
+            </a:r>
+            <a:r>
+              <a:rPr/>
+              <a:t>loess</a:t>
+            </a:r>
+            <a:r>
+              <a:rPr/>
+              <a:t> </a:t>
+            </a:r>
+            <a:r>
+              <a:rPr/>
+              <a:t>or</a:t>
+            </a:r>
+            <a:r>
+              <a:rPr/>
+              <a:t> </a:t>
+            </a:r>
+            <a:r>
+              <a:rPr/>
+              <a:t>pbspline,</a:t>
+            </a:r>
+            <a:r>
+              <a:rPr/>
+              <a:t> </a:t>
+            </a:r>
+            <a:r>
+              <a:rPr/>
+              <a:t>as</a:t>
+            </a:r>
+            <a:r>
+              <a:rPr/>
+              <a:t> </a:t>
+            </a:r>
+            <a:r>
+              <a:rPr/>
+              <a:t>this</a:t>
+            </a:r>
+            <a:r>
+              <a:rPr/>
+              <a:t> </a:t>
+            </a:r>
+            <a:r>
+              <a:rPr/>
+              <a:t>will</a:t>
+            </a:r>
+            <a:r>
+              <a:rPr/>
+              <a:t> </a:t>
+            </a:r>
+            <a:r>
+              <a:rPr/>
+              <a:t>help</a:t>
             </a:r>
             <a:r>
               <a:rPr/>
@@ -980,533 +1309,39 @@
             </a:r>
             <a:r>
               <a:rPr/>
-              <a:t>want</a:t>
-            </a:r>
-            <a:r>
-              <a:rPr/>
-              <a:t> </a:t>
-            </a:r>
-            <a:r>
-              <a:rPr/>
-              <a:t>to</a:t>
-            </a:r>
-            <a:r>
-              <a:rPr/>
-              <a:t> </a:t>
-            </a:r>
-            <a:r>
-              <a:rPr/>
-              <a:t>look</a:t>
-            </a:r>
-            <a:r>
-              <a:rPr/>
-              <a:t> </a:t>
-            </a:r>
-            <a:r>
-              <a:rPr/>
-              <a:t>at</a:t>
-            </a:r>
-            <a:r>
-              <a:rPr/>
-              <a:t> </a:t>
-            </a:r>
-            <a:r>
-              <a:rPr/>
-              <a:t>a</a:t>
-            </a:r>
-            <a:r>
-              <a:rPr/>
-              <a:t> </a:t>
-            </a:r>
-            <a:r>
-              <a:rPr/>
-              <a:t>relationship</a:t>
-            </a:r>
-            <a:r>
-              <a:rPr/>
-              <a:t> </a:t>
-            </a:r>
-            <a:r>
-              <a:rPr/>
-              <a:t>between</a:t>
-            </a:r>
-            <a:r>
-              <a:rPr/>
-              <a:t> </a:t>
-            </a:r>
-            <a:r>
-              <a:rPr/>
-              <a:t>a</a:t>
-            </a:r>
-            <a:r>
-              <a:rPr/>
-              <a:t> </a:t>
-            </a:r>
-            <a:r>
-              <a:rPr/>
-              <a:t>categorical</a:t>
-            </a:r>
-            <a:r>
-              <a:rPr/>
-              <a:t> </a:t>
-            </a:r>
-            <a:r>
-              <a:rPr/>
-              <a:t>variable</a:t>
-            </a:r>
-            <a:r>
-              <a:rPr/>
-              <a:t> </a:t>
-            </a:r>
-            <a:r>
-              <a:rPr/>
-              <a:t>and</a:t>
-            </a:r>
-            <a:r>
-              <a:rPr/>
-              <a:t> </a:t>
-            </a:r>
-            <a:r>
-              <a:rPr/>
-              <a:t>a</a:t>
-            </a:r>
-            <a:r>
-              <a:rPr/>
-              <a:t> </a:t>
-            </a:r>
-            <a:r>
-              <a:rPr/>
-              <a:t>continuous</a:t>
-            </a:r>
-            <a:r>
-              <a:rPr/>
-              <a:t> </a:t>
-            </a:r>
-            <a:r>
-              <a:rPr/>
-              <a:t>variable,</a:t>
-            </a:r>
-            <a:r>
-              <a:rPr/>
-              <a:t> </a:t>
-            </a:r>
-            <a:r>
-              <a:rPr/>
-              <a:t>you</a:t>
-            </a:r>
-            <a:r>
-              <a:rPr/>
-              <a:t> </a:t>
-            </a:r>
-            <a:r>
-              <a:rPr/>
-              <a:t>should</a:t>
-            </a:r>
-            <a:r>
-              <a:rPr/>
-              <a:t> </a:t>
-            </a:r>
-            <a:r>
-              <a:rPr/>
-              <a:t>use</a:t>
-            </a:r>
-            <a:r>
-              <a:rPr/>
-              <a:t> </a:t>
-            </a:r>
-            <a:r>
-              <a:rPr/>
-              <a:t>a</a:t>
-            </a:r>
-            <a:r>
-              <a:rPr/>
-              <a:t> </a:t>
-            </a:r>
-            <a:r>
-              <a:rPr/>
-              <a:t>boxplot.</a:t>
-            </a:r>
-          </a:p>
-          <a:p>
-            <a:pPr lvl="0" marL="0" indent="0">
-              <a:buNone/>
-            </a:pPr>
-          </a:p>
-          <a:p>
-            <a:pPr lvl="0" marL="0" indent="0">
-              <a:buNone/>
-            </a:pPr>
-            <a:r>
-              <a:rPr/>
-              <a:t>Notice</a:t>
-            </a:r>
-            <a:r>
-              <a:rPr/>
-              <a:t> </a:t>
-            </a:r>
-            <a:r>
-              <a:rPr/>
-              <a:t>that</a:t>
-            </a:r>
-            <a:r>
-              <a:rPr/>
-              <a:t> </a:t>
-            </a:r>
-            <a:r>
-              <a:rPr/>
-              <a:t>you</a:t>
-            </a:r>
-            <a:r>
-              <a:rPr/>
-              <a:t> </a:t>
-            </a:r>
-            <a:r>
-              <a:rPr/>
-              <a:t>use</a:t>
-            </a:r>
-            <a:r>
-              <a:rPr/>
-              <a:t> </a:t>
-            </a:r>
-            <a:r>
-              <a:rPr/>
-              <a:t>proc</a:t>
-            </a:r>
-            <a:r>
-              <a:rPr/>
-              <a:t> </a:t>
-            </a:r>
-            <a:r>
-              <a:rPr/>
-              <a:t>sgplot</a:t>
-            </a:r>
-            <a:r>
-              <a:rPr/>
-              <a:t> </a:t>
-            </a:r>
-            <a:r>
-              <a:rPr/>
-              <a:t>for</a:t>
-            </a:r>
-            <a:r>
-              <a:rPr/>
-              <a:t> </a:t>
-            </a:r>
-            <a:r>
-              <a:rPr/>
-              <a:t>both</a:t>
-            </a:r>
-            <a:r>
-              <a:rPr/>
-              <a:t> </a:t>
-            </a:r>
-            <a:r>
-              <a:rPr/>
-              <a:t>a</a:t>
-            </a:r>
-            <a:r>
-              <a:rPr/>
-              <a:t> </a:t>
-            </a:r>
-            <a:r>
-              <a:rPr/>
-              <a:t>scatterplot</a:t>
-            </a:r>
-            <a:r>
-              <a:rPr/>
-              <a:t> </a:t>
-            </a:r>
-            <a:r>
-              <a:rPr/>
-              <a:t>and</a:t>
-            </a:r>
-            <a:r>
-              <a:rPr/>
-              <a:t> </a:t>
-            </a:r>
-            <a:r>
-              <a:rPr/>
-              <a:t>a</a:t>
-            </a:r>
-            <a:r>
-              <a:rPr/>
-              <a:t> </a:t>
-            </a:r>
-            <a:r>
-              <a:rPr/>
-              <a:t>boxplot.</a:t>
-            </a:r>
-            <a:r>
-              <a:rPr/>
-              <a:t> </a:t>
-            </a:r>
-            <a:r>
-              <a:rPr/>
-              <a:t>This</a:t>
-            </a:r>
-            <a:r>
-              <a:rPr/>
-              <a:t> </a:t>
-            </a:r>
-            <a:r>
-              <a:rPr/>
-              <a:t>is</a:t>
-            </a:r>
-            <a:r>
-              <a:rPr/>
-              <a:t> </a:t>
-            </a:r>
-            <a:r>
-              <a:rPr/>
-              <a:t>a</a:t>
-            </a:r>
-            <a:r>
-              <a:rPr/>
-              <a:t> </a:t>
-            </a:r>
-            <a:r>
-              <a:rPr/>
-              <a:t>big</a:t>
-            </a:r>
-            <a:r>
-              <a:rPr/>
-              <a:t> </a:t>
-            </a:r>
-            <a:r>
-              <a:rPr/>
-              <a:t>improvement</a:t>
-            </a:r>
-            <a:r>
-              <a:rPr/>
-              <a:t> </a:t>
-            </a:r>
-            <a:r>
-              <a:rPr/>
-              <a:t>over</a:t>
-            </a:r>
-            <a:r>
-              <a:rPr/>
-              <a:t> </a:t>
-            </a:r>
-            <a:r>
-              <a:rPr/>
-              <a:t>previous</a:t>
-            </a:r>
-            <a:r>
-              <a:rPr/>
-              <a:t> </a:t>
-            </a:r>
-            <a:r>
-              <a:rPr/>
-              <a:t>methods</a:t>
-            </a:r>
-            <a:r>
-              <a:rPr/>
-              <a:t> </a:t>
-            </a:r>
-            <a:r>
-              <a:rPr/>
-              <a:t>in</a:t>
-            </a:r>
-            <a:r>
-              <a:rPr/>
-              <a:t> </a:t>
-            </a:r>
-            <a:r>
-              <a:rPr/>
-              <a:t>SAS</a:t>
-            </a:r>
-            <a:r>
-              <a:rPr/>
-              <a:t> </a:t>
-            </a:r>
-            <a:r>
-              <a:rPr/>
-              <a:t>to</a:t>
-            </a:r>
-            <a:r>
-              <a:rPr/>
-              <a:t> </a:t>
-            </a:r>
-            <a:r>
-              <a:rPr/>
-              <a:t>produce</a:t>
-            </a:r>
-            <a:r>
-              <a:rPr/>
-              <a:t> </a:t>
-            </a:r>
-            <a:r>
-              <a:rPr/>
-              <a:t>plots</a:t>
-            </a:r>
-            <a:r>
-              <a:rPr/>
-              <a:t> </a:t>
-            </a:r>
-            <a:r>
-              <a:rPr/>
-              <a:t>because</a:t>
-            </a:r>
-            <a:r>
-              <a:rPr/>
-              <a:t> </a:t>
-            </a:r>
-            <a:r>
-              <a:rPr/>
-              <a:t>it</a:t>
-            </a:r>
-            <a:r>
-              <a:rPr/>
-              <a:t> </a:t>
-            </a:r>
-            <a:r>
-              <a:rPr/>
-              <a:t>is</a:t>
-            </a:r>
-            <a:r>
-              <a:rPr/>
-              <a:t> </a:t>
-            </a:r>
-            <a:r>
-              <a:rPr/>
-              <a:t>easier</a:t>
-            </a:r>
-            <a:r>
-              <a:rPr/>
-              <a:t> </a:t>
-            </a:r>
-            <a:r>
-              <a:rPr/>
-              <a:t>to</a:t>
-            </a:r>
-            <a:r>
-              <a:rPr/>
-              <a:t> </a:t>
-            </a:r>
-            <a:r>
-              <a:rPr/>
-              <a:t>learn</a:t>
-            </a:r>
-            <a:r>
-              <a:rPr/>
-              <a:t> </a:t>
-            </a:r>
-            <a:r>
-              <a:rPr/>
-              <a:t>one</a:t>
-            </a:r>
-            <a:r>
-              <a:rPr/>
-              <a:t> </a:t>
-            </a:r>
-            <a:r>
-              <a:rPr/>
-              <a:t>procedure</a:t>
-            </a:r>
-            <a:r>
-              <a:rPr/>
-              <a:t> </a:t>
-            </a:r>
-            <a:r>
-              <a:rPr/>
-              <a:t>and</a:t>
-            </a:r>
-            <a:r>
-              <a:rPr/>
-              <a:t> </a:t>
-            </a:r>
-            <a:r>
-              <a:rPr/>
-              <a:t>minor</a:t>
-            </a:r>
-            <a:r>
-              <a:rPr/>
-              <a:t> </a:t>
-            </a:r>
-            <a:r>
-              <a:rPr/>
-              <a:t>variations</a:t>
-            </a:r>
-            <a:r>
-              <a:rPr/>
-              <a:t> </a:t>
-            </a:r>
-            <a:r>
-              <a:rPr/>
-              <a:t>in</a:t>
-            </a:r>
-            <a:r>
-              <a:rPr/>
-              <a:t> </a:t>
-            </a:r>
-            <a:r>
-              <a:rPr/>
-              <a:t>that</a:t>
-            </a:r>
-            <a:r>
-              <a:rPr/>
-              <a:t> </a:t>
-            </a:r>
-            <a:r>
-              <a:rPr/>
-              <a:t>procedure</a:t>
-            </a:r>
-            <a:r>
-              <a:rPr/>
-              <a:t> </a:t>
-            </a:r>
-            <a:r>
-              <a:rPr/>
-              <a:t>rather</a:t>
-            </a:r>
-            <a:r>
-              <a:rPr/>
-              <a:t> </a:t>
-            </a:r>
-            <a:r>
-              <a:rPr/>
-              <a:t>than</a:t>
-            </a:r>
-            <a:r>
-              <a:rPr/>
-              <a:t> </a:t>
-            </a:r>
-            <a:r>
-              <a:rPr/>
-              <a:t>having</a:t>
-            </a:r>
-            <a:r>
-              <a:rPr/>
-              <a:t> </a:t>
-            </a:r>
-            <a:r>
-              <a:rPr/>
-              <a:t>to</a:t>
-            </a:r>
-            <a:r>
-              <a:rPr/>
-              <a:t> </a:t>
-            </a:r>
-            <a:r>
-              <a:rPr/>
-              <a:t>learn</a:t>
-            </a:r>
-            <a:r>
-              <a:rPr/>
-              <a:t> </a:t>
-            </a:r>
-            <a:r>
-              <a:rPr/>
-              <a:t>multiple</a:t>
-            </a:r>
-            <a:r>
-              <a:rPr/>
-              <a:t> </a:t>
-            </a:r>
-            <a:r>
-              <a:rPr/>
-              <a:t>procedures.</a:t>
+              <a:t>visualize</a:t>
+            </a:r>
+            <a:r>
+              <a:rPr/>
+              <a:t> </a:t>
+            </a:r>
+            <a:r>
+              <a:rPr/>
+              <a:t>any</a:t>
+            </a:r>
+            <a:r>
+              <a:rPr/>
+              <a:t> </a:t>
+            </a:r>
+            <a:r>
+              <a:rPr/>
+              <a:t>potential</a:t>
+            </a:r>
+            <a:r>
+              <a:rPr/>
+              <a:t> </a:t>
+            </a:r>
+            <a:r>
+              <a:rPr/>
+              <a:t>nonlinear</a:t>
+            </a:r>
+            <a:r>
+              <a:rPr/>
+              <a:t> </a:t>
+            </a:r>
+            <a:r>
+              <a:rPr/>
+              <a:t>relationships.</a:t>
             </a:r>
           </a:p>
         </p:txBody>
@@ -1588,7 +1423,31 @@
             </a:pPr>
             <a:r>
               <a:rPr/>
-              <a:t>Also</a:t>
+              <a:t>When</a:t>
+            </a:r>
+            <a:r>
+              <a:rPr/>
+              <a:t> </a:t>
+            </a:r>
+            <a:r>
+              <a:rPr/>
+              <a:t>you</a:t>
+            </a:r>
+            <a:r>
+              <a:rPr/>
+              <a:t> </a:t>
+            </a:r>
+            <a:r>
+              <a:rPr/>
+              <a:t>want</a:t>
+            </a:r>
+            <a:r>
+              <a:rPr/>
+              <a:t> </a:t>
+            </a:r>
+            <a:r>
+              <a:rPr/>
+              <a:t>to</a:t>
             </a:r>
             <a:r>
               <a:rPr/>
@@ -1612,23 +1471,47 @@
             </a:r>
             <a:r>
               <a:rPr/>
-              <a:t>how</a:t>
-            </a:r>
-            <a:r>
-              <a:rPr/>
-              <a:t> </a:t>
-            </a:r>
-            <a:r>
-              <a:rPr/>
-              <a:t>the</a:t>
-            </a:r>
-            <a:r>
-              <a:rPr/>
-              <a:t> </a:t>
-            </a:r>
-            <a:r>
-              <a:rPr/>
-              <a:t>means</a:t>
+              <a:t>a</a:t>
+            </a:r>
+            <a:r>
+              <a:rPr/>
+              <a:t> </a:t>
+            </a:r>
+            <a:r>
+              <a:rPr/>
+              <a:t>relationship</a:t>
+            </a:r>
+            <a:r>
+              <a:rPr/>
+              <a:t> </a:t>
+            </a:r>
+            <a:r>
+              <a:rPr/>
+              <a:t>between</a:t>
+            </a:r>
+            <a:r>
+              <a:rPr/>
+              <a:t> </a:t>
+            </a:r>
+            <a:r>
+              <a:rPr/>
+              <a:t>a</a:t>
+            </a:r>
+            <a:r>
+              <a:rPr/>
+              <a:t> </a:t>
+            </a:r>
+            <a:r>
+              <a:rPr/>
+              <a:t>categorical</a:t>
+            </a:r>
+            <a:r>
+              <a:rPr/>
+              <a:t> </a:t>
+            </a:r>
+            <a:r>
+              <a:rPr/>
+              <a:t>variable</a:t>
             </a:r>
             <a:r>
               <a:rPr/>
@@ -1644,31 +1527,7 @@
             </a:r>
             <a:r>
               <a:rPr/>
-              <a:t>standard</a:t>
-            </a:r>
-            <a:r>
-              <a:rPr/>
-              <a:t> </a:t>
-            </a:r>
-            <a:r>
-              <a:rPr/>
-              <a:t>deviations</a:t>
-            </a:r>
-            <a:r>
-              <a:rPr/>
-              <a:t> </a:t>
-            </a:r>
-            <a:r>
-              <a:rPr/>
-              <a:t>of</a:t>
-            </a:r>
-            <a:r>
-              <a:rPr/>
-              <a:t> </a:t>
-            </a:r>
-            <a:r>
-              <a:rPr/>
-              <a:t>your</a:t>
+              <a:t>a</a:t>
             </a:r>
             <a:r>
               <a:rPr/>
@@ -1684,15 +1543,101 @@
             </a:r>
             <a:r>
               <a:rPr/>
-              <a:t>variable</a:t>
-            </a:r>
-            <a:r>
-              <a:rPr/>
-              <a:t> </a:t>
-            </a:r>
-            <a:r>
-              <a:rPr/>
-              <a:t>change</a:t>
+              <a:t>variable,</a:t>
+            </a:r>
+            <a:r>
+              <a:rPr/>
+              <a:t> </a:t>
+            </a:r>
+            <a:r>
+              <a:rPr/>
+              <a:t>you</a:t>
+            </a:r>
+            <a:r>
+              <a:rPr/>
+              <a:t> </a:t>
+            </a:r>
+            <a:r>
+              <a:rPr/>
+              <a:t>should</a:t>
+            </a:r>
+            <a:r>
+              <a:rPr/>
+              <a:t> </a:t>
+            </a:r>
+            <a:r>
+              <a:rPr/>
+              <a:t>use</a:t>
+            </a:r>
+            <a:r>
+              <a:rPr/>
+              <a:t> </a:t>
+            </a:r>
+            <a:r>
+              <a:rPr/>
+              <a:t>a</a:t>
+            </a:r>
+            <a:r>
+              <a:rPr/>
+              <a:t> </a:t>
+            </a:r>
+            <a:r>
+              <a:rPr/>
+              <a:t>boxplot.</a:t>
+            </a:r>
+          </a:p>
+          <a:p>
+            <a:pPr lvl="0" marL="0" indent="0">
+              <a:buNone/>
+            </a:pPr>
+          </a:p>
+          <a:p>
+            <a:pPr lvl="0" marL="0" indent="0">
+              <a:buNone/>
+            </a:pPr>
+            <a:r>
+              <a:rPr/>
+              <a:t>Notice</a:t>
+            </a:r>
+            <a:r>
+              <a:rPr/>
+              <a:t> </a:t>
+            </a:r>
+            <a:r>
+              <a:rPr/>
+              <a:t>that</a:t>
+            </a:r>
+            <a:r>
+              <a:rPr/>
+              <a:t> </a:t>
+            </a:r>
+            <a:r>
+              <a:rPr/>
+              <a:t>you</a:t>
+            </a:r>
+            <a:r>
+              <a:rPr/>
+              <a:t> </a:t>
+            </a:r>
+            <a:r>
+              <a:rPr/>
+              <a:t>use</a:t>
+            </a:r>
+            <a:r>
+              <a:rPr/>
+              <a:t> </a:t>
+            </a:r>
+            <a:r>
+              <a:rPr/>
+              <a:t>proc</a:t>
+            </a:r>
+            <a:r>
+              <a:rPr/>
+              <a:t> </a:t>
+            </a:r>
+            <a:r>
+              <a:rPr/>
+              <a:t>sgplot</a:t>
             </a:r>
             <a:r>
               <a:rPr/>
@@ -1708,47 +1653,319 @@
             </a:r>
             <a:r>
               <a:rPr/>
-              <a:t>each</a:t>
-            </a:r>
-            <a:r>
-              <a:rPr/>
-              <a:t> </a:t>
-            </a:r>
-            <a:r>
-              <a:rPr/>
-              <a:t>level</a:t>
-            </a:r>
-            <a:r>
-              <a:rPr/>
-              <a:t> </a:t>
-            </a:r>
-            <a:r>
-              <a:rPr/>
-              <a:t>of</a:t>
-            </a:r>
-            <a:r>
-              <a:rPr/>
-              <a:t> </a:t>
-            </a:r>
-            <a:r>
-              <a:rPr/>
-              <a:t>your</a:t>
-            </a:r>
-            <a:r>
-              <a:rPr/>
-              <a:t> </a:t>
-            </a:r>
-            <a:r>
-              <a:rPr/>
-              <a:t>categorical</a:t>
-            </a:r>
-            <a:r>
-              <a:rPr/>
-              <a:t> </a:t>
-            </a:r>
-            <a:r>
-              <a:rPr/>
-              <a:t>variable.</a:t>
+              <a:t>both</a:t>
+            </a:r>
+            <a:r>
+              <a:rPr/>
+              <a:t> </a:t>
+            </a:r>
+            <a:r>
+              <a:rPr/>
+              <a:t>a</a:t>
+            </a:r>
+            <a:r>
+              <a:rPr/>
+              <a:t> </a:t>
+            </a:r>
+            <a:r>
+              <a:rPr/>
+              <a:t>scatterplot</a:t>
+            </a:r>
+            <a:r>
+              <a:rPr/>
+              <a:t> </a:t>
+            </a:r>
+            <a:r>
+              <a:rPr/>
+              <a:t>and</a:t>
+            </a:r>
+            <a:r>
+              <a:rPr/>
+              <a:t> </a:t>
+            </a:r>
+            <a:r>
+              <a:rPr/>
+              <a:t>a</a:t>
+            </a:r>
+            <a:r>
+              <a:rPr/>
+              <a:t> </a:t>
+            </a:r>
+            <a:r>
+              <a:rPr/>
+              <a:t>boxplot.</a:t>
+            </a:r>
+            <a:r>
+              <a:rPr/>
+              <a:t> </a:t>
+            </a:r>
+            <a:r>
+              <a:rPr/>
+              <a:t>This</a:t>
+            </a:r>
+            <a:r>
+              <a:rPr/>
+              <a:t> </a:t>
+            </a:r>
+            <a:r>
+              <a:rPr/>
+              <a:t>is</a:t>
+            </a:r>
+            <a:r>
+              <a:rPr/>
+              <a:t> </a:t>
+            </a:r>
+            <a:r>
+              <a:rPr/>
+              <a:t>a</a:t>
+            </a:r>
+            <a:r>
+              <a:rPr/>
+              <a:t> </a:t>
+            </a:r>
+            <a:r>
+              <a:rPr/>
+              <a:t>big</a:t>
+            </a:r>
+            <a:r>
+              <a:rPr/>
+              <a:t> </a:t>
+            </a:r>
+            <a:r>
+              <a:rPr/>
+              <a:t>improvement</a:t>
+            </a:r>
+            <a:r>
+              <a:rPr/>
+              <a:t> </a:t>
+            </a:r>
+            <a:r>
+              <a:rPr/>
+              <a:t>over</a:t>
+            </a:r>
+            <a:r>
+              <a:rPr/>
+              <a:t> </a:t>
+            </a:r>
+            <a:r>
+              <a:rPr/>
+              <a:t>previous</a:t>
+            </a:r>
+            <a:r>
+              <a:rPr/>
+              <a:t> </a:t>
+            </a:r>
+            <a:r>
+              <a:rPr/>
+              <a:t>methods</a:t>
+            </a:r>
+            <a:r>
+              <a:rPr/>
+              <a:t> </a:t>
+            </a:r>
+            <a:r>
+              <a:rPr/>
+              <a:t>in</a:t>
+            </a:r>
+            <a:r>
+              <a:rPr/>
+              <a:t> </a:t>
+            </a:r>
+            <a:r>
+              <a:rPr/>
+              <a:t>SAS</a:t>
+            </a:r>
+            <a:r>
+              <a:rPr/>
+              <a:t> </a:t>
+            </a:r>
+            <a:r>
+              <a:rPr/>
+              <a:t>to</a:t>
+            </a:r>
+            <a:r>
+              <a:rPr/>
+              <a:t> </a:t>
+            </a:r>
+            <a:r>
+              <a:rPr/>
+              <a:t>produce</a:t>
+            </a:r>
+            <a:r>
+              <a:rPr/>
+              <a:t> </a:t>
+            </a:r>
+            <a:r>
+              <a:rPr/>
+              <a:t>plots</a:t>
+            </a:r>
+            <a:r>
+              <a:rPr/>
+              <a:t> </a:t>
+            </a:r>
+            <a:r>
+              <a:rPr/>
+              <a:t>because</a:t>
+            </a:r>
+            <a:r>
+              <a:rPr/>
+              <a:t> </a:t>
+            </a:r>
+            <a:r>
+              <a:rPr/>
+              <a:t>it</a:t>
+            </a:r>
+            <a:r>
+              <a:rPr/>
+              <a:t> </a:t>
+            </a:r>
+            <a:r>
+              <a:rPr/>
+              <a:t>is</a:t>
+            </a:r>
+            <a:r>
+              <a:rPr/>
+              <a:t> </a:t>
+            </a:r>
+            <a:r>
+              <a:rPr/>
+              <a:t>easier</a:t>
+            </a:r>
+            <a:r>
+              <a:rPr/>
+              <a:t> </a:t>
+            </a:r>
+            <a:r>
+              <a:rPr/>
+              <a:t>to</a:t>
+            </a:r>
+            <a:r>
+              <a:rPr/>
+              <a:t> </a:t>
+            </a:r>
+            <a:r>
+              <a:rPr/>
+              <a:t>learn</a:t>
+            </a:r>
+            <a:r>
+              <a:rPr/>
+              <a:t> </a:t>
+            </a:r>
+            <a:r>
+              <a:rPr/>
+              <a:t>one</a:t>
+            </a:r>
+            <a:r>
+              <a:rPr/>
+              <a:t> </a:t>
+            </a:r>
+            <a:r>
+              <a:rPr/>
+              <a:t>procedure</a:t>
+            </a:r>
+            <a:r>
+              <a:rPr/>
+              <a:t> </a:t>
+            </a:r>
+            <a:r>
+              <a:rPr/>
+              <a:t>and</a:t>
+            </a:r>
+            <a:r>
+              <a:rPr/>
+              <a:t> </a:t>
+            </a:r>
+            <a:r>
+              <a:rPr/>
+              <a:t>minor</a:t>
+            </a:r>
+            <a:r>
+              <a:rPr/>
+              <a:t> </a:t>
+            </a:r>
+            <a:r>
+              <a:rPr/>
+              <a:t>variations</a:t>
+            </a:r>
+            <a:r>
+              <a:rPr/>
+              <a:t> </a:t>
+            </a:r>
+            <a:r>
+              <a:rPr/>
+              <a:t>in</a:t>
+            </a:r>
+            <a:r>
+              <a:rPr/>
+              <a:t> </a:t>
+            </a:r>
+            <a:r>
+              <a:rPr/>
+              <a:t>that</a:t>
+            </a:r>
+            <a:r>
+              <a:rPr/>
+              <a:t> </a:t>
+            </a:r>
+            <a:r>
+              <a:rPr/>
+              <a:t>procedure</a:t>
+            </a:r>
+            <a:r>
+              <a:rPr/>
+              <a:t> </a:t>
+            </a:r>
+            <a:r>
+              <a:rPr/>
+              <a:t>rather</a:t>
+            </a:r>
+            <a:r>
+              <a:rPr/>
+              <a:t> </a:t>
+            </a:r>
+            <a:r>
+              <a:rPr/>
+              <a:t>than</a:t>
+            </a:r>
+            <a:r>
+              <a:rPr/>
+              <a:t> </a:t>
+            </a:r>
+            <a:r>
+              <a:rPr/>
+              <a:t>having</a:t>
+            </a:r>
+            <a:r>
+              <a:rPr/>
+              <a:t> </a:t>
+            </a:r>
+            <a:r>
+              <a:rPr/>
+              <a:t>to</a:t>
+            </a:r>
+            <a:r>
+              <a:rPr/>
+              <a:t> </a:t>
+            </a:r>
+            <a:r>
+              <a:rPr/>
+              <a:t>learn</a:t>
+            </a:r>
+            <a:r>
+              <a:rPr/>
+              <a:t> </a:t>
+            </a:r>
+            <a:r>
+              <a:rPr/>
+              <a:t>multiple</a:t>
+            </a:r>
+            <a:r>
+              <a:rPr/>
+              <a:t> </a:t>
+            </a:r>
+            <a:r>
+              <a:rPr/>
+              <a:t>procedures.</a:t>
             </a:r>
           </a:p>
         </p:txBody>
@@ -1830,175 +2047,15 @@
             </a:pPr>
             <a:r>
               <a:rPr/>
-              <a:t>This</a:t>
-            </a:r>
-            <a:r>
-              <a:rPr/>
-              <a:t> </a:t>
-            </a:r>
-            <a:r>
-              <a:rPr/>
-              <a:t>is</a:t>
-            </a:r>
-            <a:r>
-              <a:rPr/>
-              <a:t> </a:t>
-            </a:r>
-            <a:r>
-              <a:rPr/>
-              <a:t>very</a:t>
-            </a:r>
-            <a:r>
-              <a:rPr/>
-              <a:t> </a:t>
-            </a:r>
-            <a:r>
-              <a:rPr/>
-              <a:t>odd.</a:t>
-            </a:r>
-            <a:r>
-              <a:rPr/>
-              <a:t> </a:t>
-            </a:r>
-            <a:r>
-              <a:rPr/>
-              <a:t>You</a:t>
-            </a:r>
-            <a:r>
-              <a:rPr/>
-              <a:t> </a:t>
-            </a:r>
-            <a:r>
-              <a:rPr/>
-              <a:t>can</a:t>
-            </a:r>
-            <a:r>
-              <a:rPr/>
-              <a:t> </a:t>
-            </a:r>
-            <a:r>
-              <a:rPr/>
-              <a:t>get</a:t>
-            </a:r>
-            <a:r>
-              <a:rPr/>
-              <a:t> </a:t>
-            </a:r>
-            <a:r>
-              <a:rPr/>
-              <a:t>a</a:t>
-            </a:r>
-            <a:r>
-              <a:rPr/>
-              <a:t> </a:t>
-            </a:r>
-            <a:r>
-              <a:rPr/>
-              <a:t>hint</a:t>
-            </a:r>
-            <a:r>
-              <a:rPr/>
-              <a:t> </a:t>
-            </a:r>
-            <a:r>
-              <a:rPr/>
-              <a:t>as</a:t>
-            </a:r>
-            <a:r>
-              <a:rPr/>
-              <a:t> </a:t>
-            </a:r>
-            <a:r>
-              <a:rPr/>
-              <a:t>to</a:t>
-            </a:r>
-            <a:r>
-              <a:rPr/>
-              <a:t> </a:t>
-            </a:r>
-            <a:r>
-              <a:rPr/>
-              <a:t>why</a:t>
-            </a:r>
-            <a:r>
-              <a:rPr/>
-              <a:t> </a:t>
-            </a:r>
-            <a:r>
-              <a:rPr/>
-              <a:t>smokers</a:t>
-            </a:r>
-            <a:r>
-              <a:rPr/>
-              <a:t> </a:t>
-            </a:r>
-            <a:r>
-              <a:rPr/>
-              <a:t>might</a:t>
-            </a:r>
-            <a:r>
-              <a:rPr/>
-              <a:t> </a:t>
-            </a:r>
-            <a:r>
-              <a:rPr/>
-              <a:t>have</a:t>
-            </a:r>
-            <a:r>
-              <a:rPr/>
-              <a:t> </a:t>
-            </a:r>
-            <a:r>
-              <a:rPr/>
-              <a:t>higher</a:t>
-            </a:r>
-            <a:r>
-              <a:rPr/>
-              <a:t> </a:t>
-            </a:r>
-            <a:r>
-              <a:rPr/>
-              <a:t>fev</a:t>
-            </a:r>
-            <a:r>
-              <a:rPr/>
-              <a:t> </a:t>
-            </a:r>
-            <a:r>
-              <a:rPr/>
-              <a:t>values</a:t>
-            </a:r>
-            <a:r>
-              <a:rPr/>
-              <a:t> </a:t>
-            </a:r>
-            <a:r>
-              <a:rPr/>
-              <a:t>than</a:t>
-            </a:r>
-            <a:r>
-              <a:rPr/>
-              <a:t> </a:t>
-            </a:r>
-            <a:r>
-              <a:rPr/>
-              <a:t>non-smokers</a:t>
-            </a:r>
-            <a:r>
-              <a:rPr/>
-              <a:t> </a:t>
-            </a:r>
-            <a:r>
-              <a:rPr/>
-              <a:t>by</a:t>
-            </a:r>
-            <a:r>
-              <a:rPr/>
-              <a:t> </a:t>
-            </a:r>
-            <a:r>
-              <a:rPr/>
-              <a:t>looking</a:t>
+              <a:t>Also</a:t>
+            </a:r>
+            <a:r>
+              <a:rPr/>
+              <a:t> </a:t>
+            </a:r>
+            <a:r>
+              <a:rPr/>
+              <a:t>look</a:t>
             </a:r>
             <a:r>
               <a:rPr/>
@@ -2022,7 +2079,15 @@
             </a:r>
             <a:r>
               <a:rPr/>
-              <a:t>age</a:t>
+              <a:t>the</a:t>
+            </a:r>
+            <a:r>
+              <a:rPr/>
+              <a:t> </a:t>
+            </a:r>
+            <a:r>
+              <a:rPr/>
+              <a:t>means</a:t>
             </a:r>
             <a:r>
               <a:rPr/>
@@ -2038,31 +2103,111 @@
             </a:r>
             <a:r>
               <a:rPr/>
-              <a:t>smoking</a:t>
-            </a:r>
-            <a:r>
-              <a:rPr/>
-              <a:t> </a:t>
-            </a:r>
-            <a:r>
-              <a:rPr/>
-              <a:t>status</a:t>
-            </a:r>
-            <a:r>
-              <a:rPr/>
-              <a:t> </a:t>
-            </a:r>
-            <a:r>
-              <a:rPr/>
-              <a:t>are</a:t>
-            </a:r>
-            <a:r>
-              <a:rPr/>
-              <a:t> </a:t>
-            </a:r>
-            <a:r>
-              <a:rPr/>
-              <a:t>related.</a:t>
+              <a:t>standard</a:t>
+            </a:r>
+            <a:r>
+              <a:rPr/>
+              <a:t> </a:t>
+            </a:r>
+            <a:r>
+              <a:rPr/>
+              <a:t>deviations</a:t>
+            </a:r>
+            <a:r>
+              <a:rPr/>
+              <a:t> </a:t>
+            </a:r>
+            <a:r>
+              <a:rPr/>
+              <a:t>of</a:t>
+            </a:r>
+            <a:r>
+              <a:rPr/>
+              <a:t> </a:t>
+            </a:r>
+            <a:r>
+              <a:rPr/>
+              <a:t>your</a:t>
+            </a:r>
+            <a:r>
+              <a:rPr/>
+              <a:t> </a:t>
+            </a:r>
+            <a:r>
+              <a:rPr/>
+              <a:t>continuous</a:t>
+            </a:r>
+            <a:r>
+              <a:rPr/>
+              <a:t> </a:t>
+            </a:r>
+            <a:r>
+              <a:rPr/>
+              <a:t>variable</a:t>
+            </a:r>
+            <a:r>
+              <a:rPr/>
+              <a:t> </a:t>
+            </a:r>
+            <a:r>
+              <a:rPr/>
+              <a:t>change</a:t>
+            </a:r>
+            <a:r>
+              <a:rPr/>
+              <a:t> </a:t>
+            </a:r>
+            <a:r>
+              <a:rPr/>
+              <a:t>for</a:t>
+            </a:r>
+            <a:r>
+              <a:rPr/>
+              <a:t> </a:t>
+            </a:r>
+            <a:r>
+              <a:rPr/>
+              <a:t>each</a:t>
+            </a:r>
+            <a:r>
+              <a:rPr/>
+              <a:t> </a:t>
+            </a:r>
+            <a:r>
+              <a:rPr/>
+              <a:t>level</a:t>
+            </a:r>
+            <a:r>
+              <a:rPr/>
+              <a:t> </a:t>
+            </a:r>
+            <a:r>
+              <a:rPr/>
+              <a:t>of</a:t>
+            </a:r>
+            <a:r>
+              <a:rPr/>
+              <a:t> </a:t>
+            </a:r>
+            <a:r>
+              <a:rPr/>
+              <a:t>your</a:t>
+            </a:r>
+            <a:r>
+              <a:rPr/>
+              <a:t> </a:t>
+            </a:r>
+            <a:r>
+              <a:rPr/>
+              <a:t>categorical</a:t>
+            </a:r>
+            <a:r>
+              <a:rPr/>
+              <a:t> </a:t>
+            </a:r>
+            <a:r>
+              <a:rPr/>
+              <a:t>variable.</a:t>
             </a:r>
           </a:p>
         </p:txBody>
@@ -2085,6 +2230,320 @@
             <a:fld id="{18BDFEC3-8487-43E8-A154-7C12CBC1FFF2}" type="slidenum">
               <a:rPr lang="en-US"/>
               <a:t>21</a:t>
+            </a:fld>
+            <a:endParaRPr lang="en-US"/>
+          </a:p>
+        </p:txBody>
+      </p:sp>
+    </p:spTree>
+  </p:cSld>
+</p:notes>
+</file>
+
+<file path=ppt/notesSlides/notesSlide14.xml><?xml version="1.0" encoding="utf-8"?>
+<p:notes xmlns:a="http://schemas.openxmlformats.org/drawingml/2006/main" xmlns:r="http://schemas.openxmlformats.org/officeDocument/2006/relationships" xmlns:p="http://schemas.openxmlformats.org/presentationml/2006/main">
+  <p:cSld>
+    <p:spTree>
+      <p:nvGrpSpPr>
+        <p:cNvPr id="1" name=""/>
+        <p:cNvGrpSpPr/>
+        <p:nvPr/>
+      </p:nvGrpSpPr>
+      <p:grpSpPr>
+        <a:xfrm>
+          <a:off x="0" y="0"/>
+          <a:ext cx="0" cy="0"/>
+          <a:chOff x="0" y="0"/>
+          <a:chExt cx="0" cy="0"/>
+        </a:xfrm>
+      </p:grpSpPr>
+      <p:sp>
+        <p:nvSpPr>
+          <p:cNvPr id="2" name="Slide Image Placeholder 1"/>
+          <p:cNvSpPr>
+            <a:spLocks noGrp="1" noRot="1" noChangeAspect="1"/>
+          </p:cNvSpPr>
+          <p:nvPr>
+            <p:ph type="sldImg"/>
+          </p:nvPr>
+        </p:nvSpPr>
+        <p:spPr/>
+      </p:sp>
+      <p:sp>
+        <p:nvSpPr>
+          <p:cNvPr id="3" name="Notes Placeholder 2"/>
+          <p:cNvSpPr>
+            <a:spLocks noGrp="1"/>
+          </p:cNvSpPr>
+          <p:nvPr>
+            <p:ph type="body" idx="1"/>
+          </p:nvPr>
+        </p:nvSpPr>
+        <p:spPr/>
+        <p:txBody>
+          <a:bodyPr/>
+          <a:lstStyle/>
+          <a:p>
+            <a:pPr lvl="0" marL="0" indent="0">
+              <a:buNone/>
+            </a:pPr>
+            <a:r>
+              <a:rPr/>
+              <a:t>This</a:t>
+            </a:r>
+            <a:r>
+              <a:rPr/>
+              <a:t> </a:t>
+            </a:r>
+            <a:r>
+              <a:rPr/>
+              <a:t>is</a:t>
+            </a:r>
+            <a:r>
+              <a:rPr/>
+              <a:t> </a:t>
+            </a:r>
+            <a:r>
+              <a:rPr/>
+              <a:t>very</a:t>
+            </a:r>
+            <a:r>
+              <a:rPr/>
+              <a:t> </a:t>
+            </a:r>
+            <a:r>
+              <a:rPr/>
+              <a:t>odd.</a:t>
+            </a:r>
+            <a:r>
+              <a:rPr/>
+              <a:t> </a:t>
+            </a:r>
+            <a:r>
+              <a:rPr/>
+              <a:t>You</a:t>
+            </a:r>
+            <a:r>
+              <a:rPr/>
+              <a:t> </a:t>
+            </a:r>
+            <a:r>
+              <a:rPr/>
+              <a:t>can</a:t>
+            </a:r>
+            <a:r>
+              <a:rPr/>
+              <a:t> </a:t>
+            </a:r>
+            <a:r>
+              <a:rPr/>
+              <a:t>get</a:t>
+            </a:r>
+            <a:r>
+              <a:rPr/>
+              <a:t> </a:t>
+            </a:r>
+            <a:r>
+              <a:rPr/>
+              <a:t>a</a:t>
+            </a:r>
+            <a:r>
+              <a:rPr/>
+              <a:t> </a:t>
+            </a:r>
+            <a:r>
+              <a:rPr/>
+              <a:t>hint</a:t>
+            </a:r>
+            <a:r>
+              <a:rPr/>
+              <a:t> </a:t>
+            </a:r>
+            <a:r>
+              <a:rPr/>
+              <a:t>as</a:t>
+            </a:r>
+            <a:r>
+              <a:rPr/>
+              <a:t> </a:t>
+            </a:r>
+            <a:r>
+              <a:rPr/>
+              <a:t>to</a:t>
+            </a:r>
+            <a:r>
+              <a:rPr/>
+              <a:t> </a:t>
+            </a:r>
+            <a:r>
+              <a:rPr/>
+              <a:t>why</a:t>
+            </a:r>
+            <a:r>
+              <a:rPr/>
+              <a:t> </a:t>
+            </a:r>
+            <a:r>
+              <a:rPr/>
+              <a:t>smokers</a:t>
+            </a:r>
+            <a:r>
+              <a:rPr/>
+              <a:t> </a:t>
+            </a:r>
+            <a:r>
+              <a:rPr/>
+              <a:t>might</a:t>
+            </a:r>
+            <a:r>
+              <a:rPr/>
+              <a:t> </a:t>
+            </a:r>
+            <a:r>
+              <a:rPr/>
+              <a:t>have</a:t>
+            </a:r>
+            <a:r>
+              <a:rPr/>
+              <a:t> </a:t>
+            </a:r>
+            <a:r>
+              <a:rPr/>
+              <a:t>higher</a:t>
+            </a:r>
+            <a:r>
+              <a:rPr/>
+              <a:t> </a:t>
+            </a:r>
+            <a:r>
+              <a:rPr/>
+              <a:t>fev</a:t>
+            </a:r>
+            <a:r>
+              <a:rPr/>
+              <a:t> </a:t>
+            </a:r>
+            <a:r>
+              <a:rPr/>
+              <a:t>values</a:t>
+            </a:r>
+            <a:r>
+              <a:rPr/>
+              <a:t> </a:t>
+            </a:r>
+            <a:r>
+              <a:rPr/>
+              <a:t>than</a:t>
+            </a:r>
+            <a:r>
+              <a:rPr/>
+              <a:t> </a:t>
+            </a:r>
+            <a:r>
+              <a:rPr/>
+              <a:t>non-smokers</a:t>
+            </a:r>
+            <a:r>
+              <a:rPr/>
+              <a:t> </a:t>
+            </a:r>
+            <a:r>
+              <a:rPr/>
+              <a:t>by</a:t>
+            </a:r>
+            <a:r>
+              <a:rPr/>
+              <a:t> </a:t>
+            </a:r>
+            <a:r>
+              <a:rPr/>
+              <a:t>looking</a:t>
+            </a:r>
+            <a:r>
+              <a:rPr/>
+              <a:t> </a:t>
+            </a:r>
+            <a:r>
+              <a:rPr/>
+              <a:t>at</a:t>
+            </a:r>
+            <a:r>
+              <a:rPr/>
+              <a:t> </a:t>
+            </a:r>
+            <a:r>
+              <a:rPr/>
+              <a:t>how</a:t>
+            </a:r>
+            <a:r>
+              <a:rPr/>
+              <a:t> </a:t>
+            </a:r>
+            <a:r>
+              <a:rPr/>
+              <a:t>age</a:t>
+            </a:r>
+            <a:r>
+              <a:rPr/>
+              <a:t> </a:t>
+            </a:r>
+            <a:r>
+              <a:rPr/>
+              <a:t>and</a:t>
+            </a:r>
+            <a:r>
+              <a:rPr/>
+              <a:t> </a:t>
+            </a:r>
+            <a:r>
+              <a:rPr/>
+              <a:t>smoking</a:t>
+            </a:r>
+            <a:r>
+              <a:rPr/>
+              <a:t> </a:t>
+            </a:r>
+            <a:r>
+              <a:rPr/>
+              <a:t>status</a:t>
+            </a:r>
+            <a:r>
+              <a:rPr/>
+              <a:t> </a:t>
+            </a:r>
+            <a:r>
+              <a:rPr/>
+              <a:t>are</a:t>
+            </a:r>
+            <a:r>
+              <a:rPr/>
+              <a:t> </a:t>
+            </a:r>
+            <a:r>
+              <a:rPr/>
+              <a:t>related.</a:t>
+            </a:r>
+          </a:p>
+        </p:txBody>
+      </p:sp>
+      <p:sp>
+        <p:nvSpPr>
+          <p:cNvPr id="4" name="Slide Number Placeholder 3"/>
+          <p:cNvSpPr>
+            <a:spLocks noGrp="1"/>
+          </p:cNvSpPr>
+          <p:nvPr>
+            <p:ph type="sldNum" sz="quarter" idx="10"/>
+          </p:nvPr>
+        </p:nvSpPr>
+        <p:spPr/>
+        <p:txBody>
+          <a:bodyPr/>
+          <a:lstStyle/>
+          <a:p>
+            <a:fld id="{18BDFEC3-8487-43E8-A154-7C12CBC1FFF2}" type="slidenum">
+              <a:rPr lang="en-US"/>
+              <a:t>23</a:t>
             </a:fld>
             <a:endParaRPr lang="en-US"/>
           </a:p>
@@ -7603,16 +8062,19 @@
               <a:rPr sz="1800">
                 <a:latin typeface="Courier"/>
               </a:rPr>
-              <a:t>proc freq
+              <a:t>title2 "Frequency counts";
+proc freq
     data=intro.fev;
   tables sex smoke / missing;
-  title2 "Frequency counts";
+  format 
+    sex fsex. 
+    smoke fsmoke.
 run;
+title2 "Descriptive statistics";
 proc means
     n nmiss mean std min max
     data=intro.fev;
   var age fev ht;
-  title2 "Descriptive statistics";
 run;</a:t>
             </a:r>
           </a:p>
@@ -7660,15 +8122,31 @@
             </a:pPr>
             <a:r>
               <a:rPr/>
-              <a:t>Output</a:t>
-            </a:r>
-            <a:r>
-              <a:rPr/>
-              <a:t> </a:t>
-            </a:r>
-            <a:r>
-              <a:rPr/>
-              <a:t>from</a:t>
+              <a:t>6.</a:t>
+            </a:r>
+            <a:r>
+              <a:rPr/>
+              <a:t> </a:t>
+            </a:r>
+            <a:r>
+              <a:rPr/>
+              <a:t>Proc</a:t>
+            </a:r>
+            <a:r>
+              <a:rPr/>
+              <a:t> </a:t>
+            </a:r>
+            <a:r>
+              <a:rPr/>
+              <a:t>freq</a:t>
+            </a:r>
+            <a:r>
+              <a:rPr/>
+              <a:t> </a:t>
+            </a:r>
+            <a:r>
+              <a:rPr/>
+              <a:t>and</a:t>
             </a:r>
             <a:r>
               <a:rPr/>
@@ -7684,23 +8162,83 @@
             </a:r>
             <a:r>
               <a:rPr/>
+              <a:t>means</a:t>
+            </a:r>
+          </a:p>
+        </p:txBody>
+      </p:sp>
+      <p:pic>
+        <p:nvPicPr>
+          <p:cNvPr descr="../images/lecture03-02.png" id="0" name="Picture 1"/>
+          <p:cNvPicPr>
+            <a:picLocks noGrp="1" noChangeAspect="1"/>
+          </p:cNvPicPr>
+          <p:nvPr/>
+        </p:nvPicPr>
+        <p:blipFill>
+          <a:blip r:embed="rId2"/>
+          <a:stretch>
+            <a:fillRect/>
+          </a:stretch>
+        </p:blipFill>
+        <p:spPr bwMode="auto">
+          <a:xfrm>
+            <a:off x="558800" y="1600200"/>
+            <a:ext cx="8026400" cy="4013200"/>
+          </a:xfrm>
+          <a:prstGeom prst="rect">
+            <a:avLst/>
+          </a:prstGeom>
+          <a:noFill/>
+          <a:ln w="9525">
+            <a:noFill/>
+            <a:headEnd/>
+            <a:tailEnd/>
+          </a:ln>
+        </p:spPr>
+      </p:pic>
+      <p:sp>
+        <p:nvSpPr>
+          <p:cNvPr id="1" name="TextBox 3"/>
+          <p:cNvSpPr txBox="1"/>
+          <p:nvPr/>
+        </p:nvSpPr>
+        <p:spPr>
+          <a:xfrm>
+            <a:off x="457200" y="5613400"/>
+            <a:ext cx="8229600" cy="508000"/>
+          </a:xfrm>
+          <a:prstGeom prst="rect">
+            <a:avLst/>
+          </a:prstGeom>
+          <a:noFill/>
+        </p:spPr>
+        <p:txBody>
+          <a:bodyPr/>
+          <a:lstStyle/>
+          <a:p>
+            <a:pPr lvl="0" marL="0" indent="0" algn="ctr">
+              <a:buNone/>
+            </a:pPr>
+            <a:r>
+              <a:rPr/>
+              <a:t>Output,</a:t>
+            </a:r>
+            <a:r>
+              <a:rPr/>
+              <a:t> </a:t>
+            </a:r>
+            <a:r>
+              <a:rPr/>
+              <a:t>proc</a:t>
+            </a:r>
+            <a:r>
+              <a:rPr/>
+              <a:t> </a:t>
+            </a:r>
+            <a:r>
+              <a:rPr/>
               <a:t>freq</a:t>
-            </a:r>
-            <a:r>
-              <a:rPr/>
-              <a:t> </a:t>
-            </a:r>
-            <a:r>
-              <a:rPr/>
-              <a:t>(page</a:t>
-            </a:r>
-            <a:r>
-              <a:rPr/>
-              <a:t> </a:t>
-            </a:r>
-            <a:r>
-              <a:rPr/>
-              <a:t>2)</a:t>
             </a:r>
           </a:p>
         </p:txBody>
@@ -7747,15 +8285,31 @@
             </a:pPr>
             <a:r>
               <a:rPr/>
-              <a:t>Output</a:t>
-            </a:r>
-            <a:r>
-              <a:rPr/>
-              <a:t> </a:t>
-            </a:r>
-            <a:r>
-              <a:rPr/>
-              <a:t>from</a:t>
+              <a:t>6.</a:t>
+            </a:r>
+            <a:r>
+              <a:rPr/>
+              <a:t> </a:t>
+            </a:r>
+            <a:r>
+              <a:rPr/>
+              <a:t>Proc</a:t>
+            </a:r>
+            <a:r>
+              <a:rPr/>
+              <a:t> </a:t>
+            </a:r>
+            <a:r>
+              <a:rPr/>
+              <a:t>freq</a:t>
+            </a:r>
+            <a:r>
+              <a:rPr/>
+              <a:t> </a:t>
+            </a:r>
+            <a:r>
+              <a:rPr/>
+              <a:t>and</a:t>
             </a:r>
             <a:r>
               <a:rPr/>
@@ -7773,21 +8327,81 @@
               <a:rPr/>
               <a:t>means</a:t>
             </a:r>
-            <a:r>
-              <a:rPr/>
-              <a:t> </a:t>
-            </a:r>
-            <a:r>
-              <a:rPr/>
-              <a:t>(page</a:t>
-            </a:r>
-            <a:r>
-              <a:rPr/>
-              <a:t> </a:t>
-            </a:r>
-            <a:r>
-              <a:rPr/>
-              <a:t>3)</a:t>
+          </a:p>
+        </p:txBody>
+      </p:sp>
+      <p:pic>
+        <p:nvPicPr>
+          <p:cNvPr descr="../images/lecture03-03.png" id="0" name="Picture 1"/>
+          <p:cNvPicPr>
+            <a:picLocks noGrp="1" noChangeAspect="1"/>
+          </p:cNvPicPr>
+          <p:nvPr/>
+        </p:nvPicPr>
+        <p:blipFill>
+          <a:blip r:embed="rId2"/>
+          <a:stretch>
+            <a:fillRect/>
+          </a:stretch>
+        </p:blipFill>
+        <p:spPr bwMode="auto">
+          <a:xfrm>
+            <a:off x="558800" y="1600200"/>
+            <a:ext cx="8026400" cy="4013200"/>
+          </a:xfrm>
+          <a:prstGeom prst="rect">
+            <a:avLst/>
+          </a:prstGeom>
+          <a:noFill/>
+          <a:ln w="9525">
+            <a:noFill/>
+            <a:headEnd/>
+            <a:tailEnd/>
+          </a:ln>
+        </p:spPr>
+      </p:pic>
+      <p:sp>
+        <p:nvSpPr>
+          <p:cNvPr id="1" name="TextBox 3"/>
+          <p:cNvSpPr txBox="1"/>
+          <p:nvPr/>
+        </p:nvSpPr>
+        <p:spPr>
+          <a:xfrm>
+            <a:off x="457200" y="5613400"/>
+            <a:ext cx="8229600" cy="508000"/>
+          </a:xfrm>
+          <a:prstGeom prst="rect">
+            <a:avLst/>
+          </a:prstGeom>
+          <a:noFill/>
+        </p:spPr>
+        <p:txBody>
+          <a:bodyPr/>
+          <a:lstStyle/>
+          <a:p>
+            <a:pPr lvl="0" marL="0" indent="0" algn="ctr">
+              <a:buNone/>
+            </a:pPr>
+            <a:r>
+              <a:rPr/>
+              <a:t>Output,</a:t>
+            </a:r>
+            <a:r>
+              <a:rPr/>
+              <a:t> </a:t>
+            </a:r>
+            <a:r>
+              <a:rPr/>
+              <a:t>proc</a:t>
+            </a:r>
+            <a:r>
+              <a:rPr/>
+              <a:t> </a:t>
+            </a:r>
+            <a:r>
+              <a:rPr/>
+              <a:t>means</a:t>
             </a:r>
           </a:p>
         </p:txBody>
@@ -7893,7 +8507,9 @@
               <a:rPr sz="1800">
                 <a:latin typeface="Courier"/>
               </a:rPr>
-              <a:t>proc corr
+              <a:t>title2 "Correlations";
+proc corr
+    nosimple noprob
     data=intro.fev;
   var age fev ht;
 run;</a:t>
@@ -7943,15 +8559,23 @@
             </a:pPr>
             <a:r>
               <a:rPr/>
-              <a:t>Output</a:t>
-            </a:r>
-            <a:r>
-              <a:rPr/>
-              <a:t> </a:t>
-            </a:r>
-            <a:r>
-              <a:rPr/>
-              <a:t>from</a:t>
+              <a:t>7.</a:t>
+            </a:r>
+            <a:r>
+              <a:rPr/>
+              <a:t> </a:t>
+            </a:r>
+            <a:r>
+              <a:rPr/>
+              <a:t>Pearson</a:t>
+            </a:r>
+            <a:r>
+              <a:rPr/>
+              <a:t> </a:t>
+            </a:r>
+            <a:r>
+              <a:rPr/>
+              <a:t>correlation,</a:t>
             </a:r>
             <a:r>
               <a:rPr/>
@@ -7969,21 +8593,81 @@
               <a:rPr/>
               <a:t>corr</a:t>
             </a:r>
-            <a:r>
-              <a:rPr/>
-              <a:t> </a:t>
-            </a:r>
-            <a:r>
-              <a:rPr/>
-              <a:t>(page</a:t>
-            </a:r>
-            <a:r>
-              <a:rPr/>
-              <a:t> </a:t>
-            </a:r>
-            <a:r>
-              <a:rPr/>
-              <a:t>4)</a:t>
+          </a:p>
+        </p:txBody>
+      </p:sp>
+      <p:pic>
+        <p:nvPicPr>
+          <p:cNvPr descr="../images/lecture03-04.png" id="0" name="Picture 1"/>
+          <p:cNvPicPr>
+            <a:picLocks noGrp="1" noChangeAspect="1"/>
+          </p:cNvPicPr>
+          <p:nvPr/>
+        </p:nvPicPr>
+        <p:blipFill>
+          <a:blip r:embed="rId2"/>
+          <a:stretch>
+            <a:fillRect/>
+          </a:stretch>
+        </p:blipFill>
+        <p:spPr bwMode="auto">
+          <a:xfrm>
+            <a:off x="558800" y="1600200"/>
+            <a:ext cx="8026400" cy="4013200"/>
+          </a:xfrm>
+          <a:prstGeom prst="rect">
+            <a:avLst/>
+          </a:prstGeom>
+          <a:noFill/>
+          <a:ln w="9525">
+            <a:noFill/>
+            <a:headEnd/>
+            <a:tailEnd/>
+          </a:ln>
+        </p:spPr>
+      </p:pic>
+      <p:sp>
+        <p:nvSpPr>
+          <p:cNvPr id="1" name="TextBox 3"/>
+          <p:cNvSpPr txBox="1"/>
+          <p:nvPr/>
+        </p:nvSpPr>
+        <p:spPr>
+          <a:xfrm>
+            <a:off x="457200" y="5613400"/>
+            <a:ext cx="8229600" cy="508000"/>
+          </a:xfrm>
+          <a:prstGeom prst="rect">
+            <a:avLst/>
+          </a:prstGeom>
+          <a:noFill/>
+        </p:spPr>
+        <p:txBody>
+          <a:bodyPr/>
+          <a:lstStyle/>
+          <a:p>
+            <a:pPr lvl="0" marL="0" indent="0" algn="ctr">
+              <a:buNone/>
+            </a:pPr>
+            <a:r>
+              <a:rPr/>
+              <a:t>Output,</a:t>
+            </a:r>
+            <a:r>
+              <a:rPr/>
+              <a:t> </a:t>
+            </a:r>
+            <a:r>
+              <a:rPr/>
+              <a:t>proc</a:t>
+            </a:r>
+            <a:r>
+              <a:rPr/>
+              <a:t> </a:t>
+            </a:r>
+            <a:r>
+              <a:rPr/>
+              <a:t>corr</a:t>
             </a:r>
           </a:p>
         </p:txBody>
@@ -8081,14 +8765,10 @@
               <a:rPr sz="1800">
                 <a:latin typeface="Courier"/>
               </a:rPr>
-              <a:t>proc sgplot
+              <a:t>title2 "Scatterplots";
+proc sgplot
     data=intro.fev;
   scatter x=age y=fev;
-  title2 "Scatterplots";
-run;
-proc sgplot
-    data=intro.fev;
-  scatter x=ht y=fev;
 run;</a:t>
             </a:r>
           </a:p>
@@ -8136,15 +8816,15 @@
             </a:pPr>
             <a:r>
               <a:rPr/>
-              <a:t>Output</a:t>
-            </a:r>
-            <a:r>
-              <a:rPr/>
-              <a:t> </a:t>
-            </a:r>
-            <a:r>
-              <a:rPr/>
-              <a:t>from</a:t>
+              <a:t>8.</a:t>
+            </a:r>
+            <a:r>
+              <a:rPr/>
+              <a:t> </a:t>
+            </a:r>
+            <a:r>
+              <a:rPr/>
+              <a:t>Scatterplot,</a:t>
             </a:r>
             <a:r>
               <a:rPr/>
@@ -8162,21 +8842,81 @@
               <a:rPr/>
               <a:t>sgplot</a:t>
             </a:r>
-            <a:r>
-              <a:rPr/>
-              <a:t> </a:t>
-            </a:r>
-            <a:r>
-              <a:rPr/>
-              <a:t>(page</a:t>
-            </a:r>
-            <a:r>
-              <a:rPr/>
-              <a:t> </a:t>
-            </a:r>
-            <a:r>
-              <a:rPr/>
-              <a:t>5)</a:t>
+          </a:p>
+        </p:txBody>
+      </p:sp>
+      <p:pic>
+        <p:nvPicPr>
+          <p:cNvPr descr="../images/lecture03-05.png" id="0" name="Picture 1"/>
+          <p:cNvPicPr>
+            <a:picLocks noGrp="1" noChangeAspect="1"/>
+          </p:cNvPicPr>
+          <p:nvPr/>
+        </p:nvPicPr>
+        <p:blipFill>
+          <a:blip r:embed="rId2"/>
+          <a:stretch>
+            <a:fillRect/>
+          </a:stretch>
+        </p:blipFill>
+        <p:spPr bwMode="auto">
+          <a:xfrm>
+            <a:off x="558800" y="1600200"/>
+            <a:ext cx="8026400" cy="4013200"/>
+          </a:xfrm>
+          <a:prstGeom prst="rect">
+            <a:avLst/>
+          </a:prstGeom>
+          <a:noFill/>
+          <a:ln w="9525">
+            <a:noFill/>
+            <a:headEnd/>
+            <a:tailEnd/>
+          </a:ln>
+        </p:spPr>
+      </p:pic>
+      <p:sp>
+        <p:nvSpPr>
+          <p:cNvPr id="1" name="TextBox 3"/>
+          <p:cNvSpPr txBox="1"/>
+          <p:nvPr/>
+        </p:nvSpPr>
+        <p:spPr>
+          <a:xfrm>
+            <a:off x="457200" y="5613400"/>
+            <a:ext cx="8229600" cy="508000"/>
+          </a:xfrm>
+          <a:prstGeom prst="rect">
+            <a:avLst/>
+          </a:prstGeom>
+          <a:noFill/>
+        </p:spPr>
+        <p:txBody>
+          <a:bodyPr/>
+          <a:lstStyle/>
+          <a:p>
+            <a:pPr lvl="0" marL="0" indent="0" algn="ctr">
+              <a:buNone/>
+            </a:pPr>
+            <a:r>
+              <a:rPr/>
+              <a:t>Output,</a:t>
+            </a:r>
+            <a:r>
+              <a:rPr/>
+              <a:t> </a:t>
+            </a:r>
+            <a:r>
+              <a:rPr/>
+              <a:t>proc</a:t>
+            </a:r>
+            <a:r>
+              <a:rPr/>
+              <a:t> </a:t>
+            </a:r>
+            <a:r>
+              <a:rPr/>
+              <a:t>sgplot</a:t>
             </a:r>
           </a:p>
         </p:txBody>
@@ -8231,23 +8971,23 @@
             </a:r>
             <a:r>
               <a:rPr/>
-              <a:t>Boxplot,</a:t>
-            </a:r>
-            <a:r>
-              <a:rPr/>
-              <a:t> </a:t>
-            </a:r>
-            <a:r>
-              <a:rPr/>
-              <a:t>proc</a:t>
-            </a:r>
-            <a:r>
-              <a:rPr/>
-              <a:t> </a:t>
-            </a:r>
-            <a:r>
-              <a:rPr/>
-              <a:t>sgplot</a:t>
+              <a:t>Scatterplot,</a:t>
+            </a:r>
+            <a:r>
+              <a:rPr/>
+              <a:t> </a:t>
+            </a:r>
+            <a:r>
+              <a:rPr/>
+              <a:t>smoothing</a:t>
+            </a:r>
+            <a:r>
+              <a:rPr/>
+              <a:t> </a:t>
+            </a:r>
+            <a:r>
+              <a:rPr/>
+              <a:t>curve</a:t>
             </a:r>
           </a:p>
         </p:txBody>
@@ -8274,10 +9014,14 @@
               <a:rPr sz="1800">
                 <a:latin typeface="Courier"/>
               </a:rPr>
-              <a:t>proc sgplot
+              <a:t>title3 "with loess, smooth=0.1";
+proc sgplot
     data=intro.fev;
-  vbox fev / category=smoke;
-  title2 "Boxplots";
+  scatter x=ht y=fev;
+  loess x=ht y=fev / 
+    nomarkers 
+    smooth=0.1
+    lineattrs=(color=Red);
 run;</a:t>
             </a:r>
           </a:p>
@@ -8325,15 +9069,91 @@
             </a:pPr>
             <a:r>
               <a:rPr/>
-              <a:t>Output</a:t>
-            </a:r>
-            <a:r>
-              <a:rPr/>
-              <a:t> </a:t>
-            </a:r>
-            <a:r>
-              <a:rPr/>
-              <a:t>from</a:t>
+              <a:t>9.</a:t>
+            </a:r>
+            <a:r>
+              <a:rPr/>
+              <a:t> </a:t>
+            </a:r>
+            <a:r>
+              <a:rPr/>
+              <a:t>Scatterplot,</a:t>
+            </a:r>
+            <a:r>
+              <a:rPr/>
+              <a:t> </a:t>
+            </a:r>
+            <a:r>
+              <a:rPr/>
+              <a:t>smoothing</a:t>
+            </a:r>
+            <a:r>
+              <a:rPr/>
+              <a:t> </a:t>
+            </a:r>
+            <a:r>
+              <a:rPr/>
+              <a:t>curve</a:t>
+            </a:r>
+          </a:p>
+        </p:txBody>
+      </p:sp>
+      <p:pic>
+        <p:nvPicPr>
+          <p:cNvPr descr="../images/lecture03-06.png" id="0" name="Picture 1"/>
+          <p:cNvPicPr>
+            <a:picLocks noGrp="1" noChangeAspect="1"/>
+          </p:cNvPicPr>
+          <p:nvPr/>
+        </p:nvPicPr>
+        <p:blipFill>
+          <a:blip r:embed="rId2"/>
+          <a:stretch>
+            <a:fillRect/>
+          </a:stretch>
+        </p:blipFill>
+        <p:spPr bwMode="auto">
+          <a:xfrm>
+            <a:off x="558800" y="1600200"/>
+            <a:ext cx="8026400" cy="4013200"/>
+          </a:xfrm>
+          <a:prstGeom prst="rect">
+            <a:avLst/>
+          </a:prstGeom>
+          <a:noFill/>
+          <a:ln w="9525">
+            <a:noFill/>
+            <a:headEnd/>
+            <a:tailEnd/>
+          </a:ln>
+        </p:spPr>
+      </p:pic>
+      <p:sp>
+        <p:nvSpPr>
+          <p:cNvPr id="1" name="TextBox 3"/>
+          <p:cNvSpPr txBox="1"/>
+          <p:nvPr/>
+        </p:nvSpPr>
+        <p:spPr>
+          <a:xfrm>
+            <a:off x="457200" y="5613400"/>
+            <a:ext cx="8229600" cy="508000"/>
+          </a:xfrm>
+          <a:prstGeom prst="rect">
+            <a:avLst/>
+          </a:prstGeom>
+          <a:noFill/>
+        </p:spPr>
+        <p:txBody>
+          <a:bodyPr/>
+          <a:lstStyle/>
+          <a:p>
+            <a:pPr lvl="0" marL="0" indent="0" algn="ctr">
+              <a:buNone/>
+            </a:pPr>
+            <a:r>
+              <a:rPr/>
+              <a:t>Output,</a:t>
             </a:r>
             <a:r>
               <a:rPr/>
@@ -8350,22 +9170,6 @@
             <a:r>
               <a:rPr/>
               <a:t>sgplot</a:t>
-            </a:r>
-            <a:r>
-              <a:rPr/>
-              <a:t> </a:t>
-            </a:r>
-            <a:r>
-              <a:rPr/>
-              <a:t>(page</a:t>
-            </a:r>
-            <a:r>
-              <a:rPr/>
-              <a:t> </a:t>
-            </a:r>
-            <a:r>
-              <a:rPr/>
-              <a:t>6)</a:t>
             </a:r>
           </a:p>
         </p:txBody>
@@ -8420,31 +9224,23 @@
             </a:r>
             <a:r>
               <a:rPr/>
-              <a:t>Descriptive</a:t>
-            </a:r>
-            <a:r>
-              <a:rPr/>
-              <a:t> </a:t>
-            </a:r>
-            <a:r>
-              <a:rPr/>
-              <a:t>statistics,</a:t>
-            </a:r>
-            <a:r>
-              <a:rPr/>
-              <a:t> </a:t>
-            </a:r>
-            <a:r>
-              <a:rPr/>
-              <a:t>by</a:t>
-            </a:r>
-            <a:r>
-              <a:rPr/>
-              <a:t> </a:t>
-            </a:r>
-            <a:r>
-              <a:rPr/>
-              <a:t>statement</a:t>
+              <a:t>Boxplot,</a:t>
+            </a:r>
+            <a:r>
+              <a:rPr/>
+              <a:t> </a:t>
+            </a:r>
+            <a:r>
+              <a:rPr/>
+              <a:t>proc</a:t>
+            </a:r>
+            <a:r>
+              <a:rPr/>
+              <a:t> </a:t>
+            </a:r>
+            <a:r>
+              <a:rPr/>
+              <a:t>sgplot</a:t>
             </a:r>
           </a:p>
         </p:txBody>
@@ -8471,15 +9267,11 @@
               <a:rPr sz="1800">
                 <a:latin typeface="Courier"/>
               </a:rPr>
-              <a:t>proc sort
+              <a:t>title2 "Boxplots";
+proc sgplot
     data=intro.fev;
-  by smoke;
-run;
-proc means
-    data=intro.fev;
-  var fev;
-  by smoke;
-  title2 "Descriptive statistics by group";
+  vbox fev / category=smoke;
+  format smoke fsmoke.;
 run;</a:t>
             </a:r>
           </a:p>
@@ -8663,15 +9455,15 @@
             </a:pPr>
             <a:r>
               <a:rPr/>
-              <a:t>Output</a:t>
-            </a:r>
-            <a:r>
-              <a:rPr/>
-              <a:t> </a:t>
-            </a:r>
-            <a:r>
-              <a:rPr/>
-              <a:t>from</a:t>
+              <a:t>10.</a:t>
+            </a:r>
+            <a:r>
+              <a:rPr/>
+              <a:t> </a:t>
+            </a:r>
+            <a:r>
+              <a:rPr/>
+              <a:t>Boxplot,</a:t>
             </a:r>
             <a:r>
               <a:rPr/>
@@ -8687,47 +9479,83 @@
             </a:r>
             <a:r>
               <a:rPr/>
-              <a:t>means</a:t>
-            </a:r>
-            <a:r>
-              <a:rPr/>
-              <a:t> </a:t>
-            </a:r>
-            <a:r>
-              <a:rPr/>
-              <a:t>with</a:t>
-            </a:r>
-            <a:r>
-              <a:rPr/>
-              <a:t> </a:t>
-            </a:r>
-            <a:r>
-              <a:rPr/>
-              <a:t>by</a:t>
-            </a:r>
-            <a:r>
-              <a:rPr/>
-              <a:t> </a:t>
-            </a:r>
-            <a:r>
-              <a:rPr/>
-              <a:t>statement</a:t>
-            </a:r>
-            <a:r>
-              <a:rPr/>
-              <a:t> </a:t>
-            </a:r>
-            <a:r>
-              <a:rPr/>
-              <a:t>(page</a:t>
-            </a:r>
-            <a:r>
-              <a:rPr/>
-              <a:t> </a:t>
-            </a:r>
-            <a:r>
-              <a:rPr/>
-              <a:t>7)</a:t>
+              <a:t>sgplot</a:t>
+            </a:r>
+          </a:p>
+        </p:txBody>
+      </p:sp>
+      <p:pic>
+        <p:nvPicPr>
+          <p:cNvPr descr="../images/lecture03-07.png" id="0" name="Picture 1"/>
+          <p:cNvPicPr>
+            <a:picLocks noGrp="1" noChangeAspect="1"/>
+          </p:cNvPicPr>
+          <p:nvPr/>
+        </p:nvPicPr>
+        <p:blipFill>
+          <a:blip r:embed="rId2"/>
+          <a:stretch>
+            <a:fillRect/>
+          </a:stretch>
+        </p:blipFill>
+        <p:spPr bwMode="auto">
+          <a:xfrm>
+            <a:off x="558800" y="1600200"/>
+            <a:ext cx="8026400" cy="4013200"/>
+          </a:xfrm>
+          <a:prstGeom prst="rect">
+            <a:avLst/>
+          </a:prstGeom>
+          <a:noFill/>
+          <a:ln w="9525">
+            <a:noFill/>
+            <a:headEnd/>
+            <a:tailEnd/>
+          </a:ln>
+        </p:spPr>
+      </p:pic>
+      <p:sp>
+        <p:nvSpPr>
+          <p:cNvPr id="1" name="TextBox 3"/>
+          <p:cNvSpPr txBox="1"/>
+          <p:nvPr/>
+        </p:nvSpPr>
+        <p:spPr>
+          <a:xfrm>
+            <a:off x="457200" y="5613400"/>
+            <a:ext cx="8229600" cy="508000"/>
+          </a:xfrm>
+          <a:prstGeom prst="rect">
+            <a:avLst/>
+          </a:prstGeom>
+          <a:noFill/>
+        </p:spPr>
+        <p:txBody>
+          <a:bodyPr/>
+          <a:lstStyle/>
+          <a:p>
+            <a:pPr lvl="0" marL="0" indent="0" algn="ctr">
+              <a:buNone/>
+            </a:pPr>
+            <a:r>
+              <a:rPr/>
+              <a:t>Output,</a:t>
+            </a:r>
+            <a:r>
+              <a:rPr/>
+              <a:t> </a:t>
+            </a:r>
+            <a:r>
+              <a:rPr/>
+              <a:t>proc</a:t>
+            </a:r>
+            <a:r>
+              <a:rPr/>
+              <a:t> </a:t>
+            </a:r>
+            <a:r>
+              <a:rPr/>
+              <a:t>sgplot</a:t>
             </a:r>
           </a:p>
         </p:txBody>
@@ -8782,39 +9610,31 @@
             </a:r>
             <a:r>
               <a:rPr/>
-              <a:t>Investigate</a:t>
-            </a:r>
-            <a:r>
-              <a:rPr/>
-              <a:t> </a:t>
-            </a:r>
-            <a:r>
-              <a:rPr/>
-              <a:t>unusual</a:t>
-            </a:r>
-            <a:r>
-              <a:rPr/>
-              <a:t> </a:t>
-            </a:r>
-            <a:r>
-              <a:rPr/>
-              <a:t>trend,</a:t>
-            </a:r>
-            <a:r>
-              <a:rPr/>
-              <a:t> </a:t>
-            </a:r>
-            <a:r>
-              <a:rPr/>
-              <a:t>proc</a:t>
-            </a:r>
-            <a:r>
-              <a:rPr/>
-              <a:t> </a:t>
-            </a:r>
-            <a:r>
-              <a:rPr/>
-              <a:t>sgplot</a:t>
+              <a:t>Descriptive</a:t>
+            </a:r>
+            <a:r>
+              <a:rPr/>
+              <a:t> </a:t>
+            </a:r>
+            <a:r>
+              <a:rPr/>
+              <a:t>statistics,</a:t>
+            </a:r>
+            <a:r>
+              <a:rPr/>
+              <a:t> </a:t>
+            </a:r>
+            <a:r>
+              <a:rPr/>
+              <a:t>by</a:t>
+            </a:r>
+            <a:r>
+              <a:rPr/>
+              <a:t> </a:t>
+            </a:r>
+            <a:r>
+              <a:rPr/>
+              <a:t>statement</a:t>
             </a:r>
           </a:p>
         </p:txBody>
@@ -8841,15 +9661,15 @@
               <a:rPr sz="1800">
                 <a:latin typeface="Courier"/>
               </a:rPr>
-              <a:t>proc sgplot
+              <a:t>proc sort
     data=intro.fev;
-  vbox age / category=smoke;
-  title2 "Boxplots";
+  by smoke;
 run;
 proc means
     data=intro.fev;
-  var age;
+  var fev;
   by smoke;
+  format smoke fsmoke.;
   title2 "Descriptive statistics by group";
 run;</a:t>
             </a:r>
@@ -8898,15 +9718,99 @@
             </a:pPr>
             <a:r>
               <a:rPr/>
-              <a:t>Output</a:t>
-            </a:r>
-            <a:r>
-              <a:rPr/>
-              <a:t> </a:t>
-            </a:r>
-            <a:r>
-              <a:rPr/>
-              <a:t>from</a:t>
+              <a:t>11.</a:t>
+            </a:r>
+            <a:r>
+              <a:rPr/>
+              <a:t> </a:t>
+            </a:r>
+            <a:r>
+              <a:rPr/>
+              <a:t>Descriptive</a:t>
+            </a:r>
+            <a:r>
+              <a:rPr/>
+              <a:t> </a:t>
+            </a:r>
+            <a:r>
+              <a:rPr/>
+              <a:t>statistics,</a:t>
+            </a:r>
+            <a:r>
+              <a:rPr/>
+              <a:t> </a:t>
+            </a:r>
+            <a:r>
+              <a:rPr/>
+              <a:t>by</a:t>
+            </a:r>
+            <a:r>
+              <a:rPr/>
+              <a:t> </a:t>
+            </a:r>
+            <a:r>
+              <a:rPr/>
+              <a:t>statement</a:t>
+            </a:r>
+          </a:p>
+        </p:txBody>
+      </p:sp>
+      <p:pic>
+        <p:nvPicPr>
+          <p:cNvPr descr="../images/lecture03-08.png" id="0" name="Picture 1"/>
+          <p:cNvPicPr>
+            <a:picLocks noGrp="1" noChangeAspect="1"/>
+          </p:cNvPicPr>
+          <p:nvPr/>
+        </p:nvPicPr>
+        <p:blipFill>
+          <a:blip r:embed="rId2"/>
+          <a:stretch>
+            <a:fillRect/>
+          </a:stretch>
+        </p:blipFill>
+        <p:spPr bwMode="auto">
+          <a:xfrm>
+            <a:off x="558800" y="1600200"/>
+            <a:ext cx="8026400" cy="4013200"/>
+          </a:xfrm>
+          <a:prstGeom prst="rect">
+            <a:avLst/>
+          </a:prstGeom>
+          <a:noFill/>
+          <a:ln w="9525">
+            <a:noFill/>
+            <a:headEnd/>
+            <a:tailEnd/>
+          </a:ln>
+        </p:spPr>
+      </p:pic>
+      <p:sp>
+        <p:nvSpPr>
+          <p:cNvPr id="1" name="TextBox 3"/>
+          <p:cNvSpPr txBox="1"/>
+          <p:nvPr/>
+        </p:nvSpPr>
+        <p:spPr>
+          <a:xfrm>
+            <a:off x="457200" y="5613400"/>
+            <a:ext cx="8229600" cy="508000"/>
+          </a:xfrm>
+          <a:prstGeom prst="rect">
+            <a:avLst/>
+          </a:prstGeom>
+          <a:noFill/>
+        </p:spPr>
+        <p:txBody>
+          <a:bodyPr/>
+          <a:lstStyle/>
+          <a:p>
+            <a:pPr lvl="0" marL="0" indent="0" algn="ctr">
+              <a:buNone/>
+            </a:pPr>
+            <a:r>
+              <a:rPr/>
+              <a:t>Output,</a:t>
             </a:r>
             <a:r>
               <a:rPr/>
@@ -8922,23 +9826,31 @@
             </a:r>
             <a:r>
               <a:rPr/>
-              <a:t>sgplot</a:t>
-            </a:r>
-            <a:r>
-              <a:rPr/>
-              <a:t> </a:t>
-            </a:r>
-            <a:r>
-              <a:rPr/>
-              <a:t>(page</a:t>
-            </a:r>
-            <a:r>
-              <a:rPr/>
-              <a:t> </a:t>
-            </a:r>
-            <a:r>
-              <a:rPr/>
-              <a:t>8)</a:t>
+              <a:t>means</a:t>
+            </a:r>
+            <a:r>
+              <a:rPr/>
+              <a:t> </a:t>
+            </a:r>
+            <a:r>
+              <a:rPr/>
+              <a:t>with</a:t>
+            </a:r>
+            <a:r>
+              <a:rPr/>
+              <a:t> </a:t>
+            </a:r>
+            <a:r>
+              <a:rPr/>
+              <a:t>by</a:t>
+            </a:r>
+            <a:r>
+              <a:rPr/>
+              <a:t> </a:t>
+            </a:r>
+            <a:r>
+              <a:rPr/>
+              <a:t>statement</a:t>
             </a:r>
           </a:p>
         </p:txBody>
@@ -8993,39 +9905,55 @@
             </a:r>
             <a:r>
               <a:rPr/>
-              <a:t>Further</a:t>
-            </a:r>
-            <a:r>
-              <a:rPr/>
-              <a:t> </a:t>
-            </a:r>
-            <a:r>
-              <a:rPr/>
-              <a:t>investigation</a:t>
-            </a:r>
-            <a:r>
-              <a:rPr/>
-              <a:t> </a:t>
-            </a:r>
-            <a:r>
-              <a:rPr/>
-              <a:t>on</a:t>
-            </a:r>
-            <a:r>
-              <a:rPr/>
-              <a:t> </a:t>
-            </a:r>
-            <a:r>
-              <a:rPr/>
-              <a:t>your</a:t>
-            </a:r>
-            <a:r>
-              <a:rPr/>
-              <a:t> </a:t>
-            </a:r>
-            <a:r>
-              <a:rPr/>
-              <a:t>own</a:t>
+              <a:t>Investigate</a:t>
+            </a:r>
+            <a:r>
+              <a:rPr/>
+              <a:t> </a:t>
+            </a:r>
+            <a:r>
+              <a:rPr/>
+              <a:t>unusual</a:t>
+            </a:r>
+            <a:r>
+              <a:rPr/>
+              <a:t> </a:t>
+            </a:r>
+            <a:r>
+              <a:rPr/>
+              <a:t>trend,</a:t>
+            </a:r>
+            <a:r>
+              <a:rPr/>
+              <a:t> </a:t>
+            </a:r>
+            <a:r>
+              <a:rPr/>
+              <a:t>proc</a:t>
+            </a:r>
+            <a:r>
+              <a:rPr/>
+              <a:t> </a:t>
+            </a:r>
+            <a:r>
+              <a:rPr/>
+              <a:t>sgplot</a:t>
+            </a:r>
+            <a:r>
+              <a:rPr/>
+              <a:t> </a:t>
+            </a:r>
+            <a:r>
+              <a:rPr/>
+              <a:t>and</a:t>
+            </a:r>
+            <a:r>
+              <a:rPr/>
+              <a:t> </a:t>
+            </a:r>
+            <a:r>
+              <a:rPr/>
+              <a:t>means</a:t>
             </a:r>
           </a:p>
         </p:txBody>
@@ -9045,12 +9973,26 @@
           <a:bodyPr/>
           <a:lstStyle/>
           <a:p>
-            <a:pPr lvl="0" marL="0" indent="0">
+            <a:pPr lvl="0" marL="1270000" indent="0">
               <a:buNone/>
             </a:pPr>
             <a:r>
-              <a:rPr/>
-              <a:t>You should also examine the relationship between sex and fev. Do this on your own, but there is no need to turn anything in.</a:t>
+              <a:rPr sz="1800">
+                <a:latin typeface="Courier"/>
+              </a:rPr>
+              <a:t>proc sgplot
+    data=intro.fev;
+  vbox ht / category=smoke;
+  format smoke fsmoke.;
+  title2 "Boxplots";
+run;
+proc means
+    data=intro.fev;
+  var ht;
+  by smoke;
+  format smoke fsmoke.;
+  title2 "Descriptive statistics by group";
+run;</a:t>
             </a:r>
           </a:p>
         </p:txBody>
@@ -9097,57 +10039,139 @@
             </a:pPr>
             <a:r>
               <a:rPr/>
-              <a:t>Homework</a:t>
-            </a:r>
-            <a:r>
-              <a:rPr/>
-              <a:t> </a:t>
-            </a:r>
-            <a:r>
-              <a:rPr/>
-              <a:t>assignment</a:t>
-            </a:r>
-            <a:r>
-              <a:rPr/>
-              <a:t> </a:t>
-            </a:r>
-            <a:r>
-              <a:rPr/>
-              <a:t>(1/5)</a:t>
-            </a:r>
-          </a:p>
-        </p:txBody>
-      </p:sp>
-      <p:sp>
-        <p:nvSpPr>
-          <p:cNvPr id="3" name="Content Placeholder 2"/>
-          <p:cNvSpPr>
-            <a:spLocks noGrp="1"/>
-          </p:cNvSpPr>
-          <p:nvPr>
-            <p:ph idx="1"/>
-          </p:nvPr>
-        </p:nvSpPr>
-        <p:spPr/>
-        <p:txBody>
-          <a:bodyPr/>
-          <a:lstStyle/>
-          <a:p>
-            <a:pPr lvl="0" marL="0" indent="0">
+              <a:t>12.</a:t>
+            </a:r>
+            <a:r>
+              <a:rPr/>
+              <a:t> </a:t>
+            </a:r>
+            <a:r>
+              <a:rPr/>
+              <a:t>Investigate</a:t>
+            </a:r>
+            <a:r>
+              <a:rPr/>
+              <a:t> </a:t>
+            </a:r>
+            <a:r>
+              <a:rPr/>
+              <a:t>unusual</a:t>
+            </a:r>
+            <a:r>
+              <a:rPr/>
+              <a:t> </a:t>
+            </a:r>
+            <a:r>
+              <a:rPr/>
+              <a:t>trend,</a:t>
+            </a:r>
+            <a:r>
+              <a:rPr/>
+              <a:t> </a:t>
+            </a:r>
+            <a:r>
+              <a:rPr/>
+              <a:t>proc</a:t>
+            </a:r>
+            <a:r>
+              <a:rPr/>
+              <a:t> </a:t>
+            </a:r>
+            <a:r>
+              <a:rPr/>
+              <a:t>sgplot</a:t>
+            </a:r>
+            <a:r>
+              <a:rPr/>
+              <a:t> </a:t>
+            </a:r>
+            <a:r>
+              <a:rPr/>
+              <a:t>and</a:t>
+            </a:r>
+            <a:r>
+              <a:rPr/>
+              <a:t> </a:t>
+            </a:r>
+            <a:r>
+              <a:rPr/>
+              <a:t>means</a:t>
+            </a:r>
+          </a:p>
+        </p:txBody>
+      </p:sp>
+      <p:pic>
+        <p:nvPicPr>
+          <p:cNvPr descr="../images/lecture03-09.png" id="0" name="Picture 1"/>
+          <p:cNvPicPr>
+            <a:picLocks noGrp="1" noChangeAspect="1"/>
+          </p:cNvPicPr>
+          <p:nvPr/>
+        </p:nvPicPr>
+        <p:blipFill>
+          <a:blip r:embed="rId2"/>
+          <a:stretch>
+            <a:fillRect/>
+          </a:stretch>
+        </p:blipFill>
+        <p:spPr bwMode="auto">
+          <a:xfrm>
+            <a:off x="558800" y="1600200"/>
+            <a:ext cx="8026400" cy="4013200"/>
+          </a:xfrm>
+          <a:prstGeom prst="rect">
+            <a:avLst/>
+          </a:prstGeom>
+          <a:noFill/>
+          <a:ln w="9525">
+            <a:noFill/>
+            <a:headEnd/>
+            <a:tailEnd/>
+          </a:ln>
+        </p:spPr>
+      </p:pic>
+      <p:sp>
+        <p:nvSpPr>
+          <p:cNvPr id="1" name="TextBox 3"/>
+          <p:cNvSpPr txBox="1"/>
+          <p:nvPr/>
+        </p:nvSpPr>
+        <p:spPr>
+          <a:xfrm>
+            <a:off x="457200" y="5613400"/>
+            <a:ext cx="8229600" cy="508000"/>
+          </a:xfrm>
+          <a:prstGeom prst="rect">
+            <a:avLst/>
+          </a:prstGeom>
+          <a:noFill/>
+        </p:spPr>
+        <p:txBody>
+          <a:bodyPr/>
+          <a:lstStyle/>
+          <a:p>
+            <a:pPr lvl="0" marL="0" indent="0" algn="ctr">
               <a:buNone/>
             </a:pPr>
             <a:r>
               <a:rPr/>
-              <a:t>Your homework assignment will use a data set of housing prices and factors that influence the price.</a:t>
-            </a:r>
-          </a:p>
-          <a:p>
-            <a:pPr lvl="0" marL="0" indent="0">
-              <a:buNone/>
-            </a:pPr>
-            <a:r>
-              <a:rPr/>
-              <a:t>Details for this data set can be found on the DASL web site.</a:t>
+              <a:t>Output,</a:t>
+            </a:r>
+            <a:r>
+              <a:rPr/>
+              <a:t> </a:t>
+            </a:r>
+            <a:r>
+              <a:rPr/>
+              <a:t>proc</a:t>
+            </a:r>
+            <a:r>
+              <a:rPr/>
+              <a:t> </a:t>
+            </a:r>
+            <a:r>
+              <a:rPr/>
+              <a:t>sgplot</a:t>
             </a:r>
           </a:p>
         </p:txBody>
@@ -9194,60 +10218,163 @@
             </a:pPr>
             <a:r>
               <a:rPr/>
-              <a:t>Homework</a:t>
-            </a:r>
-            <a:r>
-              <a:rPr/>
-              <a:t> </a:t>
-            </a:r>
-            <a:r>
-              <a:rPr/>
-              <a:t>assignment</a:t>
-            </a:r>
-            <a:r>
-              <a:rPr/>
-              <a:t> </a:t>
-            </a:r>
-            <a:r>
-              <a:rPr/>
-              <a:t>(2/5)</a:t>
-            </a:r>
-          </a:p>
-        </p:txBody>
-      </p:sp>
-      <p:sp>
-        <p:nvSpPr>
-          <p:cNvPr id="3" name="Content Placeholder 2"/>
-          <p:cNvSpPr>
-            <a:spLocks noGrp="1"/>
-          </p:cNvSpPr>
-          <p:nvPr>
-            <p:ph idx="1"/>
-          </p:nvPr>
-        </p:nvSpPr>
-        <p:spPr/>
-        <p:txBody>
-          <a:bodyPr/>
-          <a:lstStyle/>
-          <a:p>
-            <a:pPr lvl="1"/>
-            <a:r>
-              <a:rPr/>
-              <a:t>Read in the data housing.txt.</a:t>
-            </a:r>
-          </a:p>
-          <a:p>
-            <a:pPr lvl="1"/>
-            <a:r>
-              <a:rPr/>
-              <a:t>Convert the asterisks in the AGE and TAX variables to missing. How many missing values are there for AGE and for TAX?</a:t>
-            </a:r>
-          </a:p>
-          <a:p>
-            <a:pPr lvl="1"/>
-            <a:r>
-              <a:rPr/>
-              <a:t>Create factors for NE, CUST, and COR. Draw bar charts for each of these factors.</a:t>
+              <a:t>12.</a:t>
+            </a:r>
+            <a:r>
+              <a:rPr/>
+              <a:t> </a:t>
+            </a:r>
+            <a:r>
+              <a:rPr/>
+              <a:t>Investigate</a:t>
+            </a:r>
+            <a:r>
+              <a:rPr/>
+              <a:t> </a:t>
+            </a:r>
+            <a:r>
+              <a:rPr/>
+              <a:t>unusual</a:t>
+            </a:r>
+            <a:r>
+              <a:rPr/>
+              <a:t> </a:t>
+            </a:r>
+            <a:r>
+              <a:rPr/>
+              <a:t>trend,</a:t>
+            </a:r>
+            <a:r>
+              <a:rPr/>
+              <a:t> </a:t>
+            </a:r>
+            <a:r>
+              <a:rPr/>
+              <a:t>proc</a:t>
+            </a:r>
+            <a:r>
+              <a:rPr/>
+              <a:t> </a:t>
+            </a:r>
+            <a:r>
+              <a:rPr/>
+              <a:t>sgplot</a:t>
+            </a:r>
+            <a:r>
+              <a:rPr/>
+              <a:t> </a:t>
+            </a:r>
+            <a:r>
+              <a:rPr/>
+              <a:t>and</a:t>
+            </a:r>
+            <a:r>
+              <a:rPr/>
+              <a:t> </a:t>
+            </a:r>
+            <a:r>
+              <a:rPr/>
+              <a:t>means</a:t>
+            </a:r>
+          </a:p>
+        </p:txBody>
+      </p:sp>
+      <p:pic>
+        <p:nvPicPr>
+          <p:cNvPr descr="../images/lecture03-10.png" id="0" name="Picture 1"/>
+          <p:cNvPicPr>
+            <a:picLocks noGrp="1" noChangeAspect="1"/>
+          </p:cNvPicPr>
+          <p:nvPr/>
+        </p:nvPicPr>
+        <p:blipFill>
+          <a:blip r:embed="rId2"/>
+          <a:stretch>
+            <a:fillRect/>
+          </a:stretch>
+        </p:blipFill>
+        <p:spPr bwMode="auto">
+          <a:xfrm>
+            <a:off x="558800" y="1600200"/>
+            <a:ext cx="8026400" cy="4013200"/>
+          </a:xfrm>
+          <a:prstGeom prst="rect">
+            <a:avLst/>
+          </a:prstGeom>
+          <a:noFill/>
+          <a:ln w="9525">
+            <a:noFill/>
+            <a:headEnd/>
+            <a:tailEnd/>
+          </a:ln>
+        </p:spPr>
+      </p:pic>
+      <p:sp>
+        <p:nvSpPr>
+          <p:cNvPr id="1" name="TextBox 3"/>
+          <p:cNvSpPr txBox="1"/>
+          <p:nvPr/>
+        </p:nvSpPr>
+        <p:spPr>
+          <a:xfrm>
+            <a:off x="457200" y="5613400"/>
+            <a:ext cx="8229600" cy="508000"/>
+          </a:xfrm>
+          <a:prstGeom prst="rect">
+            <a:avLst/>
+          </a:prstGeom>
+          <a:noFill/>
+        </p:spPr>
+        <p:txBody>
+          <a:bodyPr/>
+          <a:lstStyle/>
+          <a:p>
+            <a:pPr lvl="0" marL="0" indent="0" algn="ctr">
+              <a:buNone/>
+            </a:pPr>
+            <a:r>
+              <a:rPr/>
+              <a:t>Output,</a:t>
+            </a:r>
+            <a:r>
+              <a:rPr/>
+              <a:t> </a:t>
+            </a:r>
+            <a:r>
+              <a:rPr/>
+              <a:t>proc</a:t>
+            </a:r>
+            <a:r>
+              <a:rPr/>
+              <a:t> </a:t>
+            </a:r>
+            <a:r>
+              <a:rPr/>
+              <a:t>means</a:t>
+            </a:r>
+            <a:r>
+              <a:rPr/>
+              <a:t> </a:t>
+            </a:r>
+            <a:r>
+              <a:rPr/>
+              <a:t>with</a:t>
+            </a:r>
+            <a:r>
+              <a:rPr/>
+              <a:t> </a:t>
+            </a:r>
+            <a:r>
+              <a:rPr/>
+              <a:t>by</a:t>
+            </a:r>
+            <a:r>
+              <a:rPr/>
+              <a:t> </a:t>
+            </a:r>
+            <a:r>
+              <a:rPr/>
+              <a:t>statement</a:t>
             </a:r>
           </a:p>
         </p:txBody>
@@ -9294,23 +10421,47 @@
             </a:pPr>
             <a:r>
               <a:rPr/>
-              <a:t>Homework</a:t>
-            </a:r>
-            <a:r>
-              <a:rPr/>
-              <a:t> </a:t>
-            </a:r>
-            <a:r>
-              <a:rPr/>
-              <a:t>assignment</a:t>
-            </a:r>
-            <a:r>
-              <a:rPr/>
-              <a:t> </a:t>
-            </a:r>
-            <a:r>
-              <a:rPr/>
-              <a:t>(3/5)</a:t>
+              <a:t>13.</a:t>
+            </a:r>
+            <a:r>
+              <a:rPr/>
+              <a:t> </a:t>
+            </a:r>
+            <a:r>
+              <a:rPr/>
+              <a:t>Further</a:t>
+            </a:r>
+            <a:r>
+              <a:rPr/>
+              <a:t> </a:t>
+            </a:r>
+            <a:r>
+              <a:rPr/>
+              <a:t>investigation</a:t>
+            </a:r>
+            <a:r>
+              <a:rPr/>
+              <a:t> </a:t>
+            </a:r>
+            <a:r>
+              <a:rPr/>
+              <a:t>on</a:t>
+            </a:r>
+            <a:r>
+              <a:rPr/>
+              <a:t> </a:t>
+            </a:r>
+            <a:r>
+              <a:rPr/>
+              <a:t>your</a:t>
+            </a:r>
+            <a:r>
+              <a:rPr/>
+              <a:t> </a:t>
+            </a:r>
+            <a:r>
+              <a:rPr/>
+              <a:t>own</a:t>
             </a:r>
           </a:p>
         </p:txBody>
@@ -9330,17 +10481,12 @@
           <a:bodyPr/>
           <a:lstStyle/>
           <a:p>
-            <a:pPr lvl="1"/>
-            <a:r>
-              <a:rPr/>
-              <a:t>Find the largest house (biggest SQFT) in the data set. Is the largest house also the most expensive house?</a:t>
-            </a:r>
-          </a:p>
-          <a:p>
-            <a:pPr lvl="1"/>
-            <a:r>
-              <a:rPr/>
-              <a:t>Calculate frequency counts for FEATS. Are there any houses with the no features? Are there any houses with every possible feature?</a:t>
+            <a:pPr lvl="0" marL="0" indent="0">
+              <a:buNone/>
+            </a:pPr>
+            <a:r>
+              <a:rPr/>
+              <a:t>You should also examine the relationship between sex and fev. Do this on your own, but there is no need to turn anything in.</a:t>
             </a:r>
           </a:p>
         </p:txBody>
@@ -9403,7 +10549,7 @@
             </a:r>
             <a:r>
               <a:rPr/>
-              <a:t>(4/5)</a:t>
+              <a:t>(1/5)</a:t>
             </a:r>
           </a:p>
         </p:txBody>
@@ -9423,17 +10569,21 @@
           <a:bodyPr/>
           <a:lstStyle/>
           <a:p>
-            <a:pPr lvl="1"/>
-            <a:r>
-              <a:rPr/>
-              <a:t>Evaluate the relationship between PRICE and SQFT using a scatterplot. Include a smooth curve. Do larger houses tend to cost more?</a:t>
-            </a:r>
-          </a:p>
-          <a:p>
-            <a:pPr lvl="1"/>
-            <a:r>
-              <a:rPr/>
-              <a:t>Evaluate the relationship between CUST and PRICE using a boxplot. Calculate the mean price and standard deviation by CUST.</a:t>
+            <a:pPr lvl="0" marL="0" indent="0">
+              <a:buNone/>
+            </a:pPr>
+            <a:r>
+              <a:rPr/>
+              <a:t>Your homework assignment will use a data set of housing prices and factors that influence the price.</a:t>
+            </a:r>
+          </a:p>
+          <a:p>
+            <a:pPr lvl="0" marL="0" indent="0">
+              <a:buNone/>
+            </a:pPr>
+            <a:r>
+              <a:rPr/>
+              <a:t>Details for this data set can be found on the DASL web site.</a:t>
             </a:r>
           </a:p>
         </p:txBody>
@@ -9496,7 +10646,7 @@
             </a:r>
             <a:r>
               <a:rPr/>
-              <a:t>(5/5)</a:t>
+              <a:t>(2/5)</a:t>
             </a:r>
           </a:p>
         </p:txBody>
@@ -9519,14 +10669,114 @@
             <a:pPr lvl="1"/>
             <a:r>
               <a:rPr/>
-              <a:t>What is the difference in average prices between northeast houses and other houses? What is the difference in average taxes?</a:t>
+              <a:t>Read in the data housing.txt.</a:t>
             </a:r>
           </a:p>
           <a:p>
             <a:pPr lvl="1"/>
             <a:r>
               <a:rPr/>
-              <a:t>Are custombuilt houses more likely to appear on corner lots? Calculate the percentages and compute a relative risk.</a:t>
+              <a:t>Convert the asterisks in the AGE and TAX variables to missing. How many missing values are there for AGE and for TAX?</a:t>
+            </a:r>
+          </a:p>
+          <a:p>
+            <a:pPr lvl="1"/>
+            <a:r>
+              <a:rPr/>
+              <a:t>Create factors for NE, CUST, and COR. Draw bar charts for each of these factors.</a:t>
+            </a:r>
+          </a:p>
+        </p:txBody>
+      </p:sp>
+    </p:spTree>
+  </p:cSld>
+</p:sld>
+</file>
+
+<file path=ppt/slides/slide29.xml><?xml version="1.0" encoding="utf-8"?>
+<p:sld xmlns:a="http://schemas.openxmlformats.org/drawingml/2006/main" xmlns:r="http://schemas.openxmlformats.org/officeDocument/2006/relationships" xmlns:p="http://schemas.openxmlformats.org/presentationml/2006/main">
+  <p:cSld>
+    <p:spTree>
+      <p:nvGrpSpPr>
+        <p:cNvPr id="1" name=""/>
+        <p:cNvGrpSpPr/>
+        <p:nvPr/>
+      </p:nvGrpSpPr>
+      <p:grpSpPr>
+        <a:xfrm>
+          <a:off x="0" y="0"/>
+          <a:ext cx="0" cy="0"/>
+          <a:chOff x="0" y="0"/>
+          <a:chExt cx="0" cy="0"/>
+        </a:xfrm>
+      </p:grpSpPr>
+      <p:sp>
+        <p:nvSpPr>
+          <p:cNvPr id="2" name="Title 1"/>
+          <p:cNvSpPr>
+            <a:spLocks noGrp="1"/>
+          </p:cNvSpPr>
+          <p:nvPr>
+            <p:ph type="title"/>
+          </p:nvPr>
+        </p:nvSpPr>
+        <p:spPr/>
+        <p:txBody>
+          <a:bodyPr/>
+          <a:lstStyle/>
+          <a:p>
+            <a:pPr lvl="0" marL="0" indent="0">
+              <a:buNone/>
+            </a:pPr>
+            <a:r>
+              <a:rPr/>
+              <a:t>Homework</a:t>
+            </a:r>
+            <a:r>
+              <a:rPr/>
+              <a:t> </a:t>
+            </a:r>
+            <a:r>
+              <a:rPr/>
+              <a:t>assignment</a:t>
+            </a:r>
+            <a:r>
+              <a:rPr/>
+              <a:t> </a:t>
+            </a:r>
+            <a:r>
+              <a:rPr/>
+              <a:t>(3/5)</a:t>
+            </a:r>
+          </a:p>
+        </p:txBody>
+      </p:sp>
+      <p:sp>
+        <p:nvSpPr>
+          <p:cNvPr id="3" name="Content Placeholder 2"/>
+          <p:cNvSpPr>
+            <a:spLocks noGrp="1"/>
+          </p:cNvSpPr>
+          <p:nvPr>
+            <p:ph idx="1"/>
+          </p:nvPr>
+        </p:nvSpPr>
+        <p:spPr/>
+        <p:txBody>
+          <a:bodyPr/>
+          <a:lstStyle/>
+          <a:p>
+            <a:pPr lvl="1"/>
+            <a:r>
+              <a:rPr/>
+              <a:t>Find the largest house (biggest SQFT) in the data set. Is the largest house also the most expensive house?</a:t>
+            </a:r>
+          </a:p>
+          <a:p>
+            <a:pPr lvl="1"/>
+            <a:r>
+              <a:rPr/>
+              <a:t>Calculate frequency counts for FEATS. Are there any houses with the no features? Are there any houses with every possible feature?</a:t>
             </a:r>
           </a:p>
         </p:txBody>
@@ -9636,6 +10886,192 @@
 </p:sld>
 </file>
 
+<file path=ppt/slides/slide30.xml><?xml version="1.0" encoding="utf-8"?>
+<p:sld xmlns:a="http://schemas.openxmlformats.org/drawingml/2006/main" xmlns:r="http://schemas.openxmlformats.org/officeDocument/2006/relationships" xmlns:p="http://schemas.openxmlformats.org/presentationml/2006/main">
+  <p:cSld>
+    <p:spTree>
+      <p:nvGrpSpPr>
+        <p:cNvPr id="1" name=""/>
+        <p:cNvGrpSpPr/>
+        <p:nvPr/>
+      </p:nvGrpSpPr>
+      <p:grpSpPr>
+        <a:xfrm>
+          <a:off x="0" y="0"/>
+          <a:ext cx="0" cy="0"/>
+          <a:chOff x="0" y="0"/>
+          <a:chExt cx="0" cy="0"/>
+        </a:xfrm>
+      </p:grpSpPr>
+      <p:sp>
+        <p:nvSpPr>
+          <p:cNvPr id="2" name="Title 1"/>
+          <p:cNvSpPr>
+            <a:spLocks noGrp="1"/>
+          </p:cNvSpPr>
+          <p:nvPr>
+            <p:ph type="title"/>
+          </p:nvPr>
+        </p:nvSpPr>
+        <p:spPr/>
+        <p:txBody>
+          <a:bodyPr/>
+          <a:lstStyle/>
+          <a:p>
+            <a:pPr lvl="0" marL="0" indent="0">
+              <a:buNone/>
+            </a:pPr>
+            <a:r>
+              <a:rPr/>
+              <a:t>Homework</a:t>
+            </a:r>
+            <a:r>
+              <a:rPr/>
+              <a:t> </a:t>
+            </a:r>
+            <a:r>
+              <a:rPr/>
+              <a:t>assignment</a:t>
+            </a:r>
+            <a:r>
+              <a:rPr/>
+              <a:t> </a:t>
+            </a:r>
+            <a:r>
+              <a:rPr/>
+              <a:t>(4/5)</a:t>
+            </a:r>
+          </a:p>
+        </p:txBody>
+      </p:sp>
+      <p:sp>
+        <p:nvSpPr>
+          <p:cNvPr id="3" name="Content Placeholder 2"/>
+          <p:cNvSpPr>
+            <a:spLocks noGrp="1"/>
+          </p:cNvSpPr>
+          <p:nvPr>
+            <p:ph idx="1"/>
+          </p:nvPr>
+        </p:nvSpPr>
+        <p:spPr/>
+        <p:txBody>
+          <a:bodyPr/>
+          <a:lstStyle/>
+          <a:p>
+            <a:pPr lvl="1"/>
+            <a:r>
+              <a:rPr/>
+              <a:t>Evaluate the relationship between PRICE and SQFT using a scatterplot. Include a smooth curve. Do larger houses tend to cost more?</a:t>
+            </a:r>
+          </a:p>
+          <a:p>
+            <a:pPr lvl="1"/>
+            <a:r>
+              <a:rPr/>
+              <a:t>Evaluate the relationship between CUST and PRICE using a boxplot. Calculate the mean price and standard deviation by CUST.</a:t>
+            </a:r>
+          </a:p>
+        </p:txBody>
+      </p:sp>
+    </p:spTree>
+  </p:cSld>
+</p:sld>
+</file>
+
+<file path=ppt/slides/slide31.xml><?xml version="1.0" encoding="utf-8"?>
+<p:sld xmlns:a="http://schemas.openxmlformats.org/drawingml/2006/main" xmlns:r="http://schemas.openxmlformats.org/officeDocument/2006/relationships" xmlns:p="http://schemas.openxmlformats.org/presentationml/2006/main">
+  <p:cSld>
+    <p:spTree>
+      <p:nvGrpSpPr>
+        <p:cNvPr id="1" name=""/>
+        <p:cNvGrpSpPr/>
+        <p:nvPr/>
+      </p:nvGrpSpPr>
+      <p:grpSpPr>
+        <a:xfrm>
+          <a:off x="0" y="0"/>
+          <a:ext cx="0" cy="0"/>
+          <a:chOff x="0" y="0"/>
+          <a:chExt cx="0" cy="0"/>
+        </a:xfrm>
+      </p:grpSpPr>
+      <p:sp>
+        <p:nvSpPr>
+          <p:cNvPr id="2" name="Title 1"/>
+          <p:cNvSpPr>
+            <a:spLocks noGrp="1"/>
+          </p:cNvSpPr>
+          <p:nvPr>
+            <p:ph type="title"/>
+          </p:nvPr>
+        </p:nvSpPr>
+        <p:spPr/>
+        <p:txBody>
+          <a:bodyPr/>
+          <a:lstStyle/>
+          <a:p>
+            <a:pPr lvl="0" marL="0" indent="0">
+              <a:buNone/>
+            </a:pPr>
+            <a:r>
+              <a:rPr/>
+              <a:t>Homework</a:t>
+            </a:r>
+            <a:r>
+              <a:rPr/>
+              <a:t> </a:t>
+            </a:r>
+            <a:r>
+              <a:rPr/>
+              <a:t>assignment</a:t>
+            </a:r>
+            <a:r>
+              <a:rPr/>
+              <a:t> </a:t>
+            </a:r>
+            <a:r>
+              <a:rPr/>
+              <a:t>(5/5)</a:t>
+            </a:r>
+          </a:p>
+        </p:txBody>
+      </p:sp>
+      <p:sp>
+        <p:nvSpPr>
+          <p:cNvPr id="3" name="Content Placeholder 2"/>
+          <p:cNvSpPr>
+            <a:spLocks noGrp="1"/>
+          </p:cNvSpPr>
+          <p:nvPr>
+            <p:ph idx="1"/>
+          </p:nvPr>
+        </p:nvSpPr>
+        <p:spPr/>
+        <p:txBody>
+          <a:bodyPr/>
+          <a:lstStyle/>
+          <a:p>
+            <a:pPr lvl="1"/>
+            <a:r>
+              <a:rPr/>
+              <a:t>What is the difference in average prices between northeast houses and other houses? What is the difference in average taxes?</a:t>
+            </a:r>
+          </a:p>
+          <a:p>
+            <a:pPr lvl="1"/>
+            <a:r>
+              <a:rPr/>
+              <a:t>Are custombuilt houses more likely to appear on corner lots? Calculate the percentages and compute a relative risk.</a:t>
+            </a:r>
+          </a:p>
+        </p:txBody>
+      </p:sp>
+    </p:spTree>
+  </p:cSld>
+</p:sld>
+</file>
+
 <file path=ppt/slides/slide4.xml><?xml version="1.0" encoding="utf-8"?>
 <p:sld xmlns:a="http://schemas.openxmlformats.org/drawingml/2006/main" xmlns:r="http://schemas.openxmlformats.org/officeDocument/2006/relationships" xmlns:p="http://schemas.openxmlformats.org/presentationml/2006/main">
   <p:cSld>
@@ -10082,7 +11518,7 @@
                 <a:latin typeface="Courier"/>
               </a:rPr>
               <a:t>data intro.fev;
-  infile fev delimiter="," firstobs=2;
+  infile raw_data delimiter="," firstobs=2;
   input age fev ht sex smoke;
   label
     age=Age in years
@@ -10222,14 +11658,14 @@
                 <a:latin typeface="Courier"/>
               </a:rPr>
               <a:t>
+title1 "Pulmonary function study";
+title2 "Partial listing of fev data";
 proc print
     data=intro.fev(obs=10);
   format 
     sex fsex. 
     smoke fsmoke.
   ;
-  title1 "Pulmonary function study";
-  title2 "Partial listing of fev data";
 run;</a:t>
             </a:r>
           </a:p>
@@ -10277,15 +11713,63 @@
             </a:pPr>
             <a:r>
               <a:rPr/>
-              <a:t>Test</a:t>
-            </a:r>
-            <a:r>
-              <a:rPr/>
-              <a:t> </a:t>
-            </a:r>
-            <a:r>
-              <a:rPr/>
-              <a:t>image</a:t>
+              <a:t>5.</a:t>
+            </a:r>
+            <a:r>
+              <a:rPr/>
+              <a:t> </a:t>
+            </a:r>
+            <a:r>
+              <a:rPr/>
+              <a:t>Print</a:t>
+            </a:r>
+            <a:r>
+              <a:rPr/>
+              <a:t> </a:t>
+            </a:r>
+            <a:r>
+              <a:rPr/>
+              <a:t>the</a:t>
+            </a:r>
+            <a:r>
+              <a:rPr/>
+              <a:t> </a:t>
+            </a:r>
+            <a:r>
+              <a:rPr/>
+              <a:t>first</a:t>
+            </a:r>
+            <a:r>
+              <a:rPr/>
+              <a:t> </a:t>
+            </a:r>
+            <a:r>
+              <a:rPr/>
+              <a:t>ten</a:t>
+            </a:r>
+            <a:r>
+              <a:rPr/>
+              <a:t> </a:t>
+            </a:r>
+            <a:r>
+              <a:rPr/>
+              <a:t>rows</a:t>
+            </a:r>
+            <a:r>
+              <a:rPr/>
+              <a:t> </a:t>
+            </a:r>
+            <a:r>
+              <a:rPr/>
+              <a:t>of</a:t>
+            </a:r>
+            <a:r>
+              <a:rPr/>
+              <a:t> </a:t>
+            </a:r>
+            <a:r>
+              <a:rPr/>
+              <a:t>data</a:t>
             </a:r>
           </a:p>
         </p:txBody>
